--- a/02_CPP/03_Exceptions/bts2_exceptions.pptx
+++ b/02_CPP/03_Exceptions/bts2_exceptions.pptx
@@ -14,6 +14,11 @@
     <p:sldId id="262" r:id="rId8"/>
     <p:sldId id="263" r:id="rId9"/>
     <p:sldId id="264" r:id="rId10"/>
+    <p:sldId id="266" r:id="rId11"/>
+    <p:sldId id="267" r:id="rId12"/>
+    <p:sldId id="269" r:id="rId13"/>
+    <p:sldId id="270" r:id="rId14"/>
+    <p:sldId id="271" r:id="rId15"/>
   </p:sldIdLst>
   <p:sldSz cx="12192000" cy="6858000"/>
   <p:notesSz cx="6858000" cy="9144000"/>
@@ -267,7 +272,7 @@
           <a:p>
             <a:fld id="{EE480F76-E5E1-4E2B-93B4-20AF8CC3DCC2}" type="datetimeFigureOut">
               <a:rPr lang="fr-FR" smtClean="0"/>
-              <a:t>06/10/2020</a:t>
+              <a:t>14/12/2020</a:t>
             </a:fld>
             <a:endParaRPr lang="fr-FR"/>
           </a:p>
@@ -465,7 +470,7 @@
           <a:p>
             <a:fld id="{EE480F76-E5E1-4E2B-93B4-20AF8CC3DCC2}" type="datetimeFigureOut">
               <a:rPr lang="fr-FR" smtClean="0"/>
-              <a:t>06/10/2020</a:t>
+              <a:t>14/12/2020</a:t>
             </a:fld>
             <a:endParaRPr lang="fr-FR"/>
           </a:p>
@@ -673,7 +678,7 @@
           <a:p>
             <a:fld id="{EE480F76-E5E1-4E2B-93B4-20AF8CC3DCC2}" type="datetimeFigureOut">
               <a:rPr lang="fr-FR" smtClean="0"/>
-              <a:t>06/10/2020</a:t>
+              <a:t>14/12/2020</a:t>
             </a:fld>
             <a:endParaRPr lang="fr-FR"/>
           </a:p>
@@ -871,7 +876,7 @@
           <a:p>
             <a:fld id="{EE480F76-E5E1-4E2B-93B4-20AF8CC3DCC2}" type="datetimeFigureOut">
               <a:rPr lang="fr-FR" smtClean="0"/>
-              <a:t>06/10/2020</a:t>
+              <a:t>14/12/2020</a:t>
             </a:fld>
             <a:endParaRPr lang="fr-FR"/>
           </a:p>
@@ -1146,7 +1151,7 @@
           <a:p>
             <a:fld id="{EE480F76-E5E1-4E2B-93B4-20AF8CC3DCC2}" type="datetimeFigureOut">
               <a:rPr lang="fr-FR" smtClean="0"/>
-              <a:t>06/10/2020</a:t>
+              <a:t>14/12/2020</a:t>
             </a:fld>
             <a:endParaRPr lang="fr-FR"/>
           </a:p>
@@ -1411,7 +1416,7 @@
           <a:p>
             <a:fld id="{EE480F76-E5E1-4E2B-93B4-20AF8CC3DCC2}" type="datetimeFigureOut">
               <a:rPr lang="fr-FR" smtClean="0"/>
-              <a:t>06/10/2020</a:t>
+              <a:t>14/12/2020</a:t>
             </a:fld>
             <a:endParaRPr lang="fr-FR"/>
           </a:p>
@@ -1823,7 +1828,7 @@
           <a:p>
             <a:fld id="{EE480F76-E5E1-4E2B-93B4-20AF8CC3DCC2}" type="datetimeFigureOut">
               <a:rPr lang="fr-FR" smtClean="0"/>
-              <a:t>06/10/2020</a:t>
+              <a:t>14/12/2020</a:t>
             </a:fld>
             <a:endParaRPr lang="fr-FR"/>
           </a:p>
@@ -1964,7 +1969,7 @@
           <a:p>
             <a:fld id="{EE480F76-E5E1-4E2B-93B4-20AF8CC3DCC2}" type="datetimeFigureOut">
               <a:rPr lang="fr-FR" smtClean="0"/>
-              <a:t>06/10/2020</a:t>
+              <a:t>14/12/2020</a:t>
             </a:fld>
             <a:endParaRPr lang="fr-FR"/>
           </a:p>
@@ -2077,7 +2082,7 @@
           <a:p>
             <a:fld id="{EE480F76-E5E1-4E2B-93B4-20AF8CC3DCC2}" type="datetimeFigureOut">
               <a:rPr lang="fr-FR" smtClean="0"/>
-              <a:t>06/10/2020</a:t>
+              <a:t>14/12/2020</a:t>
             </a:fld>
             <a:endParaRPr lang="fr-FR"/>
           </a:p>
@@ -2388,7 +2393,7 @@
           <a:p>
             <a:fld id="{EE480F76-E5E1-4E2B-93B4-20AF8CC3DCC2}" type="datetimeFigureOut">
               <a:rPr lang="fr-FR" smtClean="0"/>
-              <a:t>06/10/2020</a:t>
+              <a:t>14/12/2020</a:t>
             </a:fld>
             <a:endParaRPr lang="fr-FR"/>
           </a:p>
@@ -2676,7 +2681,7 @@
           <a:p>
             <a:fld id="{EE480F76-E5E1-4E2B-93B4-20AF8CC3DCC2}" type="datetimeFigureOut">
               <a:rPr lang="fr-FR" smtClean="0"/>
-              <a:t>06/10/2020</a:t>
+              <a:t>14/12/2020</a:t>
             </a:fld>
             <a:endParaRPr lang="fr-FR"/>
           </a:p>
@@ -2917,7 +2922,7 @@
           <a:p>
             <a:fld id="{EE480F76-E5E1-4E2B-93B4-20AF8CC3DCC2}" type="datetimeFigureOut">
               <a:rPr lang="fr-FR" smtClean="0"/>
-              <a:t>06/10/2020</a:t>
+              <a:t>14/12/2020</a:t>
             </a:fld>
             <a:endParaRPr lang="fr-FR"/>
           </a:p>
@@ -3432,6 +3437,4027 @@
     <p:extLst>
       <p:ext uri="{BB962C8B-B14F-4D97-AF65-F5344CB8AC3E}">
         <p14:creationId xmlns:p14="http://schemas.microsoft.com/office/powerpoint/2010/main" val="1444097562"/>
+      </p:ext>
+    </p:extLst>
+  </p:cSld>
+  <p:clrMapOvr>
+    <a:masterClrMapping/>
+  </p:clrMapOvr>
+</p:sld>
+</file>
+
+<file path=ppt/slides/slide10.xml><?xml version="1.0" encoding="utf-8"?>
+<p:sld xmlns:a="http://schemas.openxmlformats.org/drawingml/2006/main" xmlns:r="http://schemas.openxmlformats.org/officeDocument/2006/relationships" xmlns:p="http://schemas.openxmlformats.org/presentationml/2006/main">
+  <p:cSld>
+    <p:spTree>
+      <p:nvGrpSpPr>
+        <p:cNvPr id="1" name=""/>
+        <p:cNvGrpSpPr/>
+        <p:nvPr/>
+      </p:nvGrpSpPr>
+      <p:grpSpPr>
+        <a:xfrm>
+          <a:off x="0" y="0"/>
+          <a:ext cx="0" cy="0"/>
+          <a:chOff x="0" y="0"/>
+          <a:chExt cx="0" cy="0"/>
+        </a:xfrm>
+      </p:grpSpPr>
+      <p:sp>
+        <p:nvSpPr>
+          <p:cNvPr id="2" name="Titre 1">
+            <a:extLst>
+              <a:ext uri="{FF2B5EF4-FFF2-40B4-BE49-F238E27FC236}">
+                <a16:creationId xmlns:a16="http://schemas.microsoft.com/office/drawing/2014/main" id="{2BF26C7E-CF55-4D78-B85D-F79BBD3BF7B5}"/>
+              </a:ext>
+            </a:extLst>
+          </p:cNvPr>
+          <p:cNvSpPr>
+            <a:spLocks noGrp="1"/>
+          </p:cNvSpPr>
+          <p:nvPr>
+            <p:ph type="title"/>
+          </p:nvPr>
+        </p:nvSpPr>
+        <p:spPr/>
+        <p:txBody>
+          <a:bodyPr/>
+          <a:lstStyle/>
+          <a:p>
+            <a:r>
+              <a:rPr lang="fr-FR" dirty="0"/>
+              <a:t>La classe std::exception</a:t>
+            </a:r>
+          </a:p>
+        </p:txBody>
+      </p:sp>
+      <p:sp>
+        <p:nvSpPr>
+          <p:cNvPr id="3" name="Espace réservé du contenu 2">
+            <a:extLst>
+              <a:ext uri="{FF2B5EF4-FFF2-40B4-BE49-F238E27FC236}">
+                <a16:creationId xmlns:a16="http://schemas.microsoft.com/office/drawing/2014/main" id="{BBF2B340-C255-4AFD-802D-935C866FA8BC}"/>
+              </a:ext>
+            </a:extLst>
+          </p:cNvPr>
+          <p:cNvSpPr>
+            <a:spLocks noGrp="1"/>
+          </p:cNvSpPr>
+          <p:nvPr>
+            <p:ph idx="1"/>
+          </p:nvPr>
+        </p:nvSpPr>
+        <p:spPr/>
+        <p:txBody>
+          <a:bodyPr>
+            <a:normAutofit fontScale="92500" lnSpcReduction="10000"/>
+          </a:bodyPr>
+          <a:lstStyle/>
+          <a:p>
+            <a:pPr marL="0" indent="0">
+              <a:buNone/>
+            </a:pPr>
+            <a:r>
+              <a:rPr lang="fr-FR" b="0" dirty="0">
+                <a:solidFill>
+                  <a:srgbClr val="D73A49"/>
+                </a:solidFill>
+                <a:effectLst/>
+                <a:latin typeface="Consolas" panose="020B0609020204030204" pitchFamily="49" charset="0"/>
+              </a:rPr>
+              <a:t>class</a:t>
+            </a:r>
+            <a:r>
+              <a:rPr lang="fr-FR" b="0" dirty="0">
+                <a:solidFill>
+                  <a:srgbClr val="24292E"/>
+                </a:solidFill>
+                <a:effectLst/>
+                <a:latin typeface="Consolas" panose="020B0609020204030204" pitchFamily="49" charset="0"/>
+              </a:rPr>
+              <a:t> </a:t>
+            </a:r>
+            <a:r>
+              <a:rPr lang="fr-FR" b="0" dirty="0">
+                <a:solidFill>
+                  <a:srgbClr val="6F42C1"/>
+                </a:solidFill>
+                <a:effectLst/>
+                <a:latin typeface="Consolas" panose="020B0609020204030204" pitchFamily="49" charset="0"/>
+              </a:rPr>
+              <a:t>exception</a:t>
+            </a:r>
+            <a:r>
+              <a:rPr lang="fr-FR" b="0" dirty="0">
+                <a:solidFill>
+                  <a:srgbClr val="24292E"/>
+                </a:solidFill>
+                <a:effectLst/>
+                <a:latin typeface="Consolas" panose="020B0609020204030204" pitchFamily="49" charset="0"/>
+              </a:rPr>
+              <a:t> {</a:t>
+            </a:r>
+          </a:p>
+          <a:p>
+            <a:pPr marL="457200" lvl="1" indent="0">
+              <a:buNone/>
+            </a:pPr>
+            <a:r>
+              <a:rPr lang="fr-FR" b="0" dirty="0">
+                <a:solidFill>
+                  <a:srgbClr val="D73A49"/>
+                </a:solidFill>
+                <a:effectLst/>
+                <a:latin typeface="Consolas" panose="020B0609020204030204" pitchFamily="49" charset="0"/>
+              </a:rPr>
+              <a:t>public:</a:t>
+            </a:r>
+            <a:endParaRPr lang="fr-FR" b="0" dirty="0">
+              <a:solidFill>
+                <a:srgbClr val="24292E"/>
+              </a:solidFill>
+              <a:effectLst/>
+              <a:latin typeface="Consolas" panose="020B0609020204030204" pitchFamily="49" charset="0"/>
+            </a:endParaRPr>
+          </a:p>
+          <a:p>
+            <a:pPr marL="457200" lvl="1" indent="0">
+              <a:buNone/>
+            </a:pPr>
+            <a:r>
+              <a:rPr lang="fr-FR" b="0" dirty="0">
+                <a:solidFill>
+                  <a:srgbClr val="24292E"/>
+                </a:solidFill>
+                <a:effectLst/>
+                <a:latin typeface="Consolas" panose="020B0609020204030204" pitchFamily="49" charset="0"/>
+              </a:rPr>
+              <a:t>    </a:t>
+            </a:r>
+            <a:r>
+              <a:rPr lang="fr-FR" b="0" dirty="0">
+                <a:solidFill>
+                  <a:srgbClr val="6F42C1"/>
+                </a:solidFill>
+                <a:effectLst/>
+                <a:latin typeface="Consolas" panose="020B0609020204030204" pitchFamily="49" charset="0"/>
+              </a:rPr>
+              <a:t>exception</a:t>
+            </a:r>
+            <a:r>
+              <a:rPr lang="fr-FR" b="0" dirty="0">
+                <a:solidFill>
+                  <a:srgbClr val="24292E"/>
+                </a:solidFill>
+                <a:effectLst/>
+                <a:latin typeface="Consolas" panose="020B0609020204030204" pitchFamily="49" charset="0"/>
+              </a:rPr>
+              <a:t>() </a:t>
+            </a:r>
+            <a:r>
+              <a:rPr lang="fr-FR" b="0" dirty="0" err="1">
+                <a:solidFill>
+                  <a:srgbClr val="D73A49"/>
+                </a:solidFill>
+                <a:effectLst/>
+                <a:latin typeface="Consolas" panose="020B0609020204030204" pitchFamily="49" charset="0"/>
+              </a:rPr>
+              <a:t>throw</a:t>
+            </a:r>
+            <a:r>
+              <a:rPr lang="fr-FR" b="0" dirty="0">
+                <a:solidFill>
+                  <a:srgbClr val="24292E"/>
+                </a:solidFill>
+                <a:effectLst/>
+                <a:latin typeface="Consolas" panose="020B0609020204030204" pitchFamily="49" charset="0"/>
+              </a:rPr>
+              <a:t>(){ }</a:t>
+            </a:r>
+            <a:r>
+              <a:rPr lang="fr-FR" b="0" dirty="0">
+                <a:solidFill>
+                  <a:srgbClr val="6A737D"/>
+                </a:solidFill>
+                <a:effectLst/>
+                <a:latin typeface="Consolas" panose="020B0609020204030204" pitchFamily="49" charset="0"/>
+              </a:rPr>
+              <a:t> 		 </a:t>
+            </a:r>
+            <a:r>
+              <a:rPr lang="fr-FR" b="0" dirty="0">
+                <a:solidFill>
+                  <a:srgbClr val="00B050"/>
+                </a:solidFill>
+                <a:effectLst/>
+                <a:latin typeface="Consolas" panose="020B0609020204030204" pitchFamily="49" charset="0"/>
+              </a:rPr>
+              <a:t>// Constructeur.</a:t>
+            </a:r>
+          </a:p>
+          <a:p>
+            <a:pPr marL="457200" lvl="1" indent="0">
+              <a:buNone/>
+            </a:pPr>
+            <a:r>
+              <a:rPr lang="fr-FR" b="0" dirty="0">
+                <a:solidFill>
+                  <a:srgbClr val="24292E"/>
+                </a:solidFill>
+                <a:effectLst/>
+                <a:latin typeface="Consolas" panose="020B0609020204030204" pitchFamily="49" charset="0"/>
+              </a:rPr>
+              <a:t>    </a:t>
+            </a:r>
+            <a:r>
+              <a:rPr lang="fr-FR" b="0" dirty="0" err="1">
+                <a:solidFill>
+                  <a:srgbClr val="D73A49"/>
+                </a:solidFill>
+                <a:effectLst/>
+                <a:latin typeface="Consolas" panose="020B0609020204030204" pitchFamily="49" charset="0"/>
+              </a:rPr>
+              <a:t>virtual</a:t>
+            </a:r>
+            <a:r>
+              <a:rPr lang="fr-FR" b="0" dirty="0">
+                <a:solidFill>
+                  <a:srgbClr val="24292E"/>
+                </a:solidFill>
+                <a:effectLst/>
+                <a:latin typeface="Consolas" panose="020B0609020204030204" pitchFamily="49" charset="0"/>
+              </a:rPr>
+              <a:t> </a:t>
+            </a:r>
+            <a:r>
+              <a:rPr lang="fr-FR" b="0" dirty="0">
+                <a:solidFill>
+                  <a:srgbClr val="6F42C1"/>
+                </a:solidFill>
+                <a:effectLst/>
+                <a:latin typeface="Consolas" panose="020B0609020204030204" pitchFamily="49" charset="0"/>
+              </a:rPr>
+              <a:t>~exception</a:t>
+            </a:r>
+            <a:r>
+              <a:rPr lang="fr-FR" b="0" dirty="0">
+                <a:solidFill>
+                  <a:srgbClr val="24292E"/>
+                </a:solidFill>
+                <a:effectLst/>
+                <a:latin typeface="Consolas" panose="020B0609020204030204" pitchFamily="49" charset="0"/>
+              </a:rPr>
+              <a:t>() </a:t>
+            </a:r>
+            <a:r>
+              <a:rPr lang="fr-FR" b="0" dirty="0" err="1">
+                <a:solidFill>
+                  <a:srgbClr val="D73A49"/>
+                </a:solidFill>
+                <a:effectLst/>
+                <a:latin typeface="Consolas" panose="020B0609020204030204" pitchFamily="49" charset="0"/>
+              </a:rPr>
+              <a:t>throw</a:t>
+            </a:r>
+            <a:r>
+              <a:rPr lang="fr-FR" b="0" dirty="0">
+                <a:solidFill>
+                  <a:srgbClr val="24292E"/>
+                </a:solidFill>
+                <a:effectLst/>
+                <a:latin typeface="Consolas" panose="020B0609020204030204" pitchFamily="49" charset="0"/>
+              </a:rPr>
+              <a:t>();</a:t>
+            </a:r>
+            <a:r>
+              <a:rPr lang="fr-FR" b="0" dirty="0">
+                <a:solidFill>
+                  <a:srgbClr val="6A737D"/>
+                </a:solidFill>
+                <a:effectLst/>
+                <a:latin typeface="Consolas" panose="020B0609020204030204" pitchFamily="49" charset="0"/>
+              </a:rPr>
+              <a:t>       </a:t>
+            </a:r>
+            <a:r>
+              <a:rPr lang="fr-FR" b="0" dirty="0">
+                <a:solidFill>
+                  <a:srgbClr val="00B050"/>
+                </a:solidFill>
+                <a:effectLst/>
+                <a:latin typeface="Consolas" panose="020B0609020204030204" pitchFamily="49" charset="0"/>
+              </a:rPr>
+              <a:t>// Destructeur.</a:t>
+            </a:r>
+          </a:p>
+          <a:p>
+            <a:pPr marL="457200" lvl="1" indent="0">
+              <a:buNone/>
+            </a:pPr>
+            <a:endParaRPr lang="fr-FR" b="0" dirty="0">
+              <a:solidFill>
+                <a:srgbClr val="00B050"/>
+              </a:solidFill>
+              <a:effectLst/>
+              <a:latin typeface="Consolas" panose="020B0609020204030204" pitchFamily="49" charset="0"/>
+            </a:endParaRPr>
+          </a:p>
+          <a:p>
+            <a:pPr marL="457200" lvl="1" indent="0">
+              <a:buNone/>
+            </a:pPr>
+            <a:r>
+              <a:rPr lang="fr-FR" dirty="0">
+                <a:solidFill>
+                  <a:srgbClr val="00B050"/>
+                </a:solidFill>
+                <a:latin typeface="Consolas" panose="020B0609020204030204" pitchFamily="49" charset="0"/>
+              </a:rPr>
+              <a:t>    // </a:t>
+            </a:r>
+            <a:r>
+              <a:rPr lang="fr-FR" dirty="0" err="1">
+                <a:solidFill>
+                  <a:srgbClr val="00B050"/>
+                </a:solidFill>
+                <a:latin typeface="Consolas" panose="020B0609020204030204" pitchFamily="49" charset="0"/>
+              </a:rPr>
+              <a:t>throw</a:t>
+            </a:r>
+            <a:r>
+              <a:rPr lang="fr-FR" dirty="0">
+                <a:solidFill>
+                  <a:srgbClr val="00B050"/>
+                </a:solidFill>
+                <a:latin typeface="Consolas" panose="020B0609020204030204" pitchFamily="49" charset="0"/>
+              </a:rPr>
+              <a:t>() indique que ces méthodes ne vont pas lancer</a:t>
+            </a:r>
+          </a:p>
+          <a:p>
+            <a:pPr marL="457200" lvl="1" indent="0">
+              <a:buNone/>
+            </a:pPr>
+            <a:r>
+              <a:rPr lang="fr-FR" dirty="0">
+                <a:solidFill>
+                  <a:srgbClr val="00B050"/>
+                </a:solidFill>
+                <a:latin typeface="Consolas" panose="020B0609020204030204" pitchFamily="49" charset="0"/>
+              </a:rPr>
+              <a:t>    // d'exceptions</a:t>
+            </a:r>
+          </a:p>
+          <a:p>
+            <a:pPr marL="457200" lvl="1" indent="0">
+              <a:buNone/>
+            </a:pPr>
+            <a:r>
+              <a:rPr lang="fr-FR" b="0" dirty="0">
+                <a:solidFill>
+                  <a:srgbClr val="24292E"/>
+                </a:solidFill>
+                <a:effectLst/>
+                <a:latin typeface="Consolas" panose="020B0609020204030204" pitchFamily="49" charset="0"/>
+              </a:rPr>
+              <a:t>    </a:t>
+            </a:r>
+          </a:p>
+          <a:p>
+            <a:pPr marL="457200" lvl="1" indent="0">
+              <a:buNone/>
+            </a:pPr>
+            <a:r>
+              <a:rPr lang="fr-FR" b="0" dirty="0">
+                <a:solidFill>
+                  <a:srgbClr val="6A737D"/>
+                </a:solidFill>
+                <a:effectLst/>
+                <a:latin typeface="Consolas" panose="020B0609020204030204" pitchFamily="49" charset="0"/>
+              </a:rPr>
+              <a:t>    </a:t>
+            </a:r>
+            <a:r>
+              <a:rPr lang="fr-FR" b="0" dirty="0">
+                <a:solidFill>
+                  <a:srgbClr val="00B050"/>
+                </a:solidFill>
+                <a:effectLst/>
+                <a:latin typeface="Consolas" panose="020B0609020204030204" pitchFamily="49" charset="0"/>
+              </a:rPr>
+              <a:t>// Renvoie une chaîne "à la C" contenant </a:t>
+            </a:r>
+          </a:p>
+          <a:p>
+            <a:pPr marL="457200" lvl="1" indent="0">
+              <a:buNone/>
+            </a:pPr>
+            <a:r>
+              <a:rPr lang="fr-FR" b="0" dirty="0">
+                <a:solidFill>
+                  <a:srgbClr val="00B050"/>
+                </a:solidFill>
+                <a:effectLst/>
+                <a:latin typeface="Consolas" panose="020B0609020204030204" pitchFamily="49" charset="0"/>
+              </a:rPr>
+              <a:t>    // des infos sur l'erreur.</a:t>
+            </a:r>
+          </a:p>
+          <a:p>
+            <a:pPr marL="457200" lvl="1" indent="0">
+              <a:buNone/>
+            </a:pPr>
+            <a:r>
+              <a:rPr lang="fr-FR" b="0" dirty="0">
+                <a:solidFill>
+                  <a:srgbClr val="24292E"/>
+                </a:solidFill>
+                <a:effectLst/>
+                <a:latin typeface="Consolas" panose="020B0609020204030204" pitchFamily="49" charset="0"/>
+              </a:rPr>
+              <a:t>    </a:t>
+            </a:r>
+            <a:r>
+              <a:rPr lang="fr-FR" b="0" dirty="0" err="1">
+                <a:solidFill>
+                  <a:srgbClr val="D73A49"/>
+                </a:solidFill>
+                <a:effectLst/>
+                <a:latin typeface="Consolas" panose="020B0609020204030204" pitchFamily="49" charset="0"/>
+              </a:rPr>
+              <a:t>virtual</a:t>
+            </a:r>
+            <a:r>
+              <a:rPr lang="fr-FR" b="0" dirty="0">
+                <a:solidFill>
+                  <a:srgbClr val="24292E"/>
+                </a:solidFill>
+                <a:effectLst/>
+                <a:latin typeface="Consolas" panose="020B0609020204030204" pitchFamily="49" charset="0"/>
+              </a:rPr>
+              <a:t> </a:t>
+            </a:r>
+            <a:r>
+              <a:rPr lang="fr-FR" b="0" dirty="0" err="1">
+                <a:solidFill>
+                  <a:srgbClr val="D73A49"/>
+                </a:solidFill>
+                <a:effectLst/>
+                <a:latin typeface="Consolas" panose="020B0609020204030204" pitchFamily="49" charset="0"/>
+              </a:rPr>
+              <a:t>const</a:t>
+            </a:r>
+            <a:r>
+              <a:rPr lang="fr-FR" b="0" dirty="0">
+                <a:solidFill>
+                  <a:srgbClr val="24292E"/>
+                </a:solidFill>
+                <a:effectLst/>
+                <a:latin typeface="Consolas" panose="020B0609020204030204" pitchFamily="49" charset="0"/>
+              </a:rPr>
+              <a:t> </a:t>
+            </a:r>
+            <a:r>
+              <a:rPr lang="fr-FR" b="0" dirty="0">
+                <a:solidFill>
+                  <a:srgbClr val="D73A49"/>
+                </a:solidFill>
+                <a:effectLst/>
+                <a:latin typeface="Consolas" panose="020B0609020204030204" pitchFamily="49" charset="0"/>
+              </a:rPr>
+              <a:t>char*</a:t>
+            </a:r>
+            <a:r>
+              <a:rPr lang="fr-FR" b="0" dirty="0">
+                <a:solidFill>
+                  <a:srgbClr val="24292E"/>
+                </a:solidFill>
+                <a:effectLst/>
+                <a:latin typeface="Consolas" panose="020B0609020204030204" pitchFamily="49" charset="0"/>
+              </a:rPr>
+              <a:t> </a:t>
+            </a:r>
+            <a:r>
+              <a:rPr lang="fr-FR" b="0" dirty="0" err="1">
+                <a:solidFill>
+                  <a:srgbClr val="6F42C1"/>
+                </a:solidFill>
+                <a:effectLst/>
+                <a:latin typeface="Consolas" panose="020B0609020204030204" pitchFamily="49" charset="0"/>
+              </a:rPr>
+              <a:t>what</a:t>
+            </a:r>
+            <a:r>
+              <a:rPr lang="fr-FR" b="0" dirty="0">
+                <a:solidFill>
+                  <a:srgbClr val="24292E"/>
+                </a:solidFill>
+                <a:effectLst/>
+                <a:latin typeface="Consolas" panose="020B0609020204030204" pitchFamily="49" charset="0"/>
+              </a:rPr>
+              <a:t>() </a:t>
+            </a:r>
+            <a:r>
+              <a:rPr lang="fr-FR" b="0" dirty="0" err="1">
+                <a:solidFill>
+                  <a:srgbClr val="D73A49"/>
+                </a:solidFill>
+                <a:effectLst/>
+                <a:latin typeface="Consolas" panose="020B0609020204030204" pitchFamily="49" charset="0"/>
+              </a:rPr>
+              <a:t>const</a:t>
+            </a:r>
+            <a:r>
+              <a:rPr lang="fr-FR" b="0" dirty="0">
+                <a:solidFill>
+                  <a:srgbClr val="24292E"/>
+                </a:solidFill>
+                <a:effectLst/>
+                <a:latin typeface="Consolas" panose="020B0609020204030204" pitchFamily="49" charset="0"/>
+              </a:rPr>
+              <a:t> </a:t>
+            </a:r>
+            <a:r>
+              <a:rPr lang="fr-FR" b="0" dirty="0" err="1">
+                <a:solidFill>
+                  <a:srgbClr val="D73A49"/>
+                </a:solidFill>
+                <a:effectLst/>
+                <a:latin typeface="Consolas" panose="020B0609020204030204" pitchFamily="49" charset="0"/>
+              </a:rPr>
+              <a:t>throw</a:t>
+            </a:r>
+            <a:r>
+              <a:rPr lang="fr-FR" b="0" dirty="0">
+                <a:solidFill>
+                  <a:srgbClr val="24292E"/>
+                </a:solidFill>
+                <a:effectLst/>
+                <a:latin typeface="Consolas" panose="020B0609020204030204" pitchFamily="49" charset="0"/>
+              </a:rPr>
+              <a:t>(); </a:t>
+            </a:r>
+          </a:p>
+          <a:p>
+            <a:pPr marL="0" indent="0">
+              <a:buNone/>
+            </a:pPr>
+            <a:r>
+              <a:rPr lang="fr-FR" b="0" dirty="0">
+                <a:solidFill>
+                  <a:srgbClr val="24292E"/>
+                </a:solidFill>
+                <a:effectLst/>
+                <a:latin typeface="Consolas" panose="020B0609020204030204" pitchFamily="49" charset="0"/>
+              </a:rPr>
+              <a:t>};</a:t>
+            </a:r>
+          </a:p>
+          <a:p>
+            <a:endParaRPr lang="fr-FR" dirty="0"/>
+          </a:p>
+        </p:txBody>
+      </p:sp>
+    </p:spTree>
+    <p:extLst>
+      <p:ext uri="{BB962C8B-B14F-4D97-AF65-F5344CB8AC3E}">
+        <p14:creationId xmlns:p14="http://schemas.microsoft.com/office/powerpoint/2010/main" val="4190340461"/>
+      </p:ext>
+    </p:extLst>
+  </p:cSld>
+  <p:clrMapOvr>
+    <a:masterClrMapping/>
+  </p:clrMapOvr>
+</p:sld>
+</file>
+
+<file path=ppt/slides/slide11.xml><?xml version="1.0" encoding="utf-8"?>
+<p:sld xmlns:a="http://schemas.openxmlformats.org/drawingml/2006/main" xmlns:r="http://schemas.openxmlformats.org/officeDocument/2006/relationships" xmlns:p="http://schemas.openxmlformats.org/presentationml/2006/main">
+  <p:cSld>
+    <p:spTree>
+      <p:nvGrpSpPr>
+        <p:cNvPr id="1" name=""/>
+        <p:cNvGrpSpPr/>
+        <p:nvPr/>
+      </p:nvGrpSpPr>
+      <p:grpSpPr>
+        <a:xfrm>
+          <a:off x="0" y="0"/>
+          <a:ext cx="0" cy="0"/>
+          <a:chOff x="0" y="0"/>
+          <a:chExt cx="0" cy="0"/>
+        </a:xfrm>
+      </p:grpSpPr>
+      <p:sp>
+        <p:nvSpPr>
+          <p:cNvPr id="3" name="Espace réservé du contenu 2">
+            <a:extLst>
+              <a:ext uri="{FF2B5EF4-FFF2-40B4-BE49-F238E27FC236}">
+                <a16:creationId xmlns:a16="http://schemas.microsoft.com/office/drawing/2014/main" id="{CFD72C91-3078-4D5B-835D-02A0A738CD82}"/>
+              </a:ext>
+            </a:extLst>
+          </p:cNvPr>
+          <p:cNvSpPr>
+            <a:spLocks noGrp="1"/>
+          </p:cNvSpPr>
+          <p:nvPr>
+            <p:ph idx="1"/>
+          </p:nvPr>
+        </p:nvSpPr>
+        <p:spPr>
+          <a:xfrm>
+            <a:off x="838200" y="314036"/>
+            <a:ext cx="10515600" cy="6543964"/>
+          </a:xfrm>
+        </p:spPr>
+        <p:txBody>
+          <a:bodyPr>
+            <a:normAutofit fontScale="55000" lnSpcReduction="20000"/>
+          </a:bodyPr>
+          <a:lstStyle/>
+          <a:p>
+            <a:pPr marL="0" indent="0">
+              <a:buNone/>
+            </a:pPr>
+            <a:r>
+              <a:rPr lang="fr-FR" b="0" dirty="0">
+                <a:solidFill>
+                  <a:srgbClr val="D73A49"/>
+                </a:solidFill>
+                <a:effectLst/>
+                <a:latin typeface="Consolas" panose="020B0609020204030204" pitchFamily="49" charset="0"/>
+              </a:rPr>
+              <a:t>#include</a:t>
+            </a:r>
+            <a:r>
+              <a:rPr lang="fr-FR" b="0" dirty="0">
+                <a:solidFill>
+                  <a:srgbClr val="24292E"/>
+                </a:solidFill>
+                <a:effectLst/>
+                <a:latin typeface="Consolas" panose="020B0609020204030204" pitchFamily="49" charset="0"/>
+              </a:rPr>
+              <a:t> </a:t>
+            </a:r>
+            <a:r>
+              <a:rPr lang="fr-FR" b="0" dirty="0">
+                <a:solidFill>
+                  <a:srgbClr val="032F62"/>
+                </a:solidFill>
+                <a:effectLst/>
+                <a:latin typeface="Consolas" panose="020B0609020204030204" pitchFamily="49" charset="0"/>
+              </a:rPr>
+              <a:t>&lt;exception&gt; </a:t>
+            </a:r>
+            <a:r>
+              <a:rPr lang="fr-FR" b="0" dirty="0">
+                <a:solidFill>
+                  <a:srgbClr val="00B050"/>
+                </a:solidFill>
+                <a:effectLst/>
+                <a:latin typeface="Consolas" panose="020B0609020204030204" pitchFamily="49" charset="0"/>
+              </a:rPr>
+              <a:t>// A ne pas oublier</a:t>
+            </a:r>
+          </a:p>
+          <a:p>
+            <a:pPr marL="0" indent="0">
+              <a:buNone/>
+            </a:pPr>
+            <a:r>
+              <a:rPr lang="fr-FR" b="0" dirty="0">
+                <a:solidFill>
+                  <a:srgbClr val="D73A49"/>
+                </a:solidFill>
+                <a:effectLst/>
+                <a:latin typeface="Consolas" panose="020B0609020204030204" pitchFamily="49" charset="0"/>
+              </a:rPr>
+              <a:t>#include</a:t>
+            </a:r>
+            <a:r>
+              <a:rPr lang="fr-FR" b="0" dirty="0">
+                <a:solidFill>
+                  <a:srgbClr val="24292E"/>
+                </a:solidFill>
+                <a:effectLst/>
+                <a:latin typeface="Consolas" panose="020B0609020204030204" pitchFamily="49" charset="0"/>
+              </a:rPr>
+              <a:t> </a:t>
+            </a:r>
+            <a:r>
+              <a:rPr lang="fr-FR" b="0" dirty="0">
+                <a:solidFill>
+                  <a:srgbClr val="032F62"/>
+                </a:solidFill>
+                <a:effectLst/>
+                <a:latin typeface="Consolas" panose="020B0609020204030204" pitchFamily="49" charset="0"/>
+              </a:rPr>
+              <a:t>&lt;string&gt;</a:t>
+            </a:r>
+            <a:endParaRPr lang="fr-FR" b="0" dirty="0">
+              <a:solidFill>
+                <a:srgbClr val="24292E"/>
+              </a:solidFill>
+              <a:effectLst/>
+              <a:latin typeface="Consolas" panose="020B0609020204030204" pitchFamily="49" charset="0"/>
+            </a:endParaRPr>
+          </a:p>
+          <a:p>
+            <a:pPr marL="0" indent="0">
+              <a:buNone/>
+            </a:pPr>
+            <a:r>
+              <a:rPr lang="fr-FR" b="0" dirty="0" err="1">
+                <a:solidFill>
+                  <a:srgbClr val="D73A49"/>
+                </a:solidFill>
+                <a:effectLst/>
+                <a:latin typeface="Consolas" panose="020B0609020204030204" pitchFamily="49" charset="0"/>
+              </a:rPr>
+              <a:t>using</a:t>
+            </a:r>
+            <a:r>
+              <a:rPr lang="fr-FR" b="0" dirty="0">
+                <a:solidFill>
+                  <a:srgbClr val="24292E"/>
+                </a:solidFill>
+                <a:effectLst/>
+                <a:latin typeface="Consolas" panose="020B0609020204030204" pitchFamily="49" charset="0"/>
+              </a:rPr>
+              <a:t> </a:t>
+            </a:r>
+            <a:r>
+              <a:rPr lang="fr-FR" b="0" dirty="0" err="1">
+                <a:solidFill>
+                  <a:srgbClr val="D73A49"/>
+                </a:solidFill>
+                <a:effectLst/>
+                <a:latin typeface="Consolas" panose="020B0609020204030204" pitchFamily="49" charset="0"/>
+              </a:rPr>
+              <a:t>namespace</a:t>
+            </a:r>
+            <a:r>
+              <a:rPr lang="fr-FR" b="0" dirty="0">
+                <a:solidFill>
+                  <a:srgbClr val="24292E"/>
+                </a:solidFill>
+                <a:effectLst/>
+                <a:latin typeface="Consolas" panose="020B0609020204030204" pitchFamily="49" charset="0"/>
+              </a:rPr>
+              <a:t> </a:t>
+            </a:r>
+            <a:r>
+              <a:rPr lang="fr-FR" b="0" dirty="0">
+                <a:solidFill>
+                  <a:srgbClr val="6F42C1"/>
+                </a:solidFill>
+                <a:effectLst/>
+                <a:latin typeface="Consolas" panose="020B0609020204030204" pitchFamily="49" charset="0"/>
+              </a:rPr>
+              <a:t>std</a:t>
+            </a:r>
+            <a:r>
+              <a:rPr lang="fr-FR" b="0" dirty="0">
+                <a:solidFill>
+                  <a:srgbClr val="24292E"/>
+                </a:solidFill>
+                <a:effectLst/>
+                <a:latin typeface="Consolas" panose="020B0609020204030204" pitchFamily="49" charset="0"/>
+              </a:rPr>
+              <a:t>;</a:t>
+            </a:r>
+          </a:p>
+          <a:p>
+            <a:pPr marL="0" indent="0">
+              <a:buNone/>
+            </a:pPr>
+            <a:r>
+              <a:rPr lang="fr-FR" b="0" dirty="0">
+                <a:solidFill>
+                  <a:srgbClr val="24292E"/>
+                </a:solidFill>
+                <a:effectLst/>
+                <a:latin typeface="Consolas" panose="020B0609020204030204" pitchFamily="49" charset="0"/>
+              </a:rPr>
+              <a:t> </a:t>
+            </a:r>
+          </a:p>
+          <a:p>
+            <a:pPr marL="0" indent="0">
+              <a:buNone/>
+            </a:pPr>
+            <a:r>
+              <a:rPr lang="fr-FR" b="0" dirty="0">
+                <a:solidFill>
+                  <a:srgbClr val="D73A49"/>
+                </a:solidFill>
+                <a:effectLst/>
+                <a:latin typeface="Consolas" panose="020B0609020204030204" pitchFamily="49" charset="0"/>
+              </a:rPr>
+              <a:t>class</a:t>
+            </a:r>
+            <a:r>
+              <a:rPr lang="fr-FR" b="0" dirty="0">
+                <a:solidFill>
+                  <a:srgbClr val="24292E"/>
+                </a:solidFill>
+                <a:effectLst/>
+                <a:latin typeface="Consolas" panose="020B0609020204030204" pitchFamily="49" charset="0"/>
+              </a:rPr>
+              <a:t> </a:t>
+            </a:r>
+            <a:r>
+              <a:rPr lang="fr-FR" b="0" dirty="0" err="1">
+                <a:solidFill>
+                  <a:srgbClr val="6F42C1"/>
+                </a:solidFill>
+                <a:effectLst/>
+                <a:latin typeface="Consolas" panose="020B0609020204030204" pitchFamily="49" charset="0"/>
+              </a:rPr>
+              <a:t>Error</a:t>
+            </a:r>
+            <a:r>
+              <a:rPr lang="fr-FR" b="0" dirty="0">
+                <a:solidFill>
+                  <a:srgbClr val="24292E"/>
+                </a:solidFill>
+                <a:effectLst/>
+                <a:latin typeface="Consolas" panose="020B0609020204030204" pitchFamily="49" charset="0"/>
+              </a:rPr>
+              <a:t>: </a:t>
+            </a:r>
+            <a:r>
+              <a:rPr lang="fr-FR" b="0" dirty="0">
+                <a:solidFill>
+                  <a:srgbClr val="D73A49"/>
+                </a:solidFill>
+                <a:effectLst/>
+                <a:latin typeface="Consolas" panose="020B0609020204030204" pitchFamily="49" charset="0"/>
+              </a:rPr>
+              <a:t>public</a:t>
+            </a:r>
+            <a:r>
+              <a:rPr lang="fr-FR" b="0" dirty="0">
+                <a:solidFill>
+                  <a:srgbClr val="24292E"/>
+                </a:solidFill>
+                <a:effectLst/>
+                <a:latin typeface="Consolas" panose="020B0609020204030204" pitchFamily="49" charset="0"/>
+              </a:rPr>
+              <a:t> </a:t>
+            </a:r>
+            <a:r>
+              <a:rPr lang="fr-FR" b="0" dirty="0">
+                <a:solidFill>
+                  <a:srgbClr val="6F42C1"/>
+                </a:solidFill>
+                <a:effectLst/>
+                <a:latin typeface="Consolas" panose="020B0609020204030204" pitchFamily="49" charset="0"/>
+              </a:rPr>
+              <a:t>exception</a:t>
+            </a:r>
+            <a:r>
+              <a:rPr lang="fr-FR" b="0" dirty="0">
+                <a:solidFill>
+                  <a:srgbClr val="24292E"/>
+                </a:solidFill>
+                <a:effectLst/>
+                <a:latin typeface="Consolas" panose="020B0609020204030204" pitchFamily="49" charset="0"/>
+              </a:rPr>
+              <a:t> {</a:t>
+            </a:r>
+          </a:p>
+          <a:p>
+            <a:pPr marL="0" indent="0">
+              <a:buNone/>
+            </a:pPr>
+            <a:r>
+              <a:rPr lang="fr-FR" b="0" dirty="0">
+                <a:solidFill>
+                  <a:srgbClr val="24292E"/>
+                </a:solidFill>
+                <a:effectLst/>
+                <a:latin typeface="Consolas" panose="020B0609020204030204" pitchFamily="49" charset="0"/>
+              </a:rPr>
+              <a:t>    </a:t>
+            </a:r>
+            <a:r>
+              <a:rPr lang="fr-FR" b="0" dirty="0" err="1">
+                <a:solidFill>
+                  <a:srgbClr val="D73A49"/>
+                </a:solidFill>
+                <a:effectLst/>
+                <a:latin typeface="Consolas" panose="020B0609020204030204" pitchFamily="49" charset="0"/>
+              </a:rPr>
+              <a:t>private</a:t>
+            </a:r>
+            <a:r>
+              <a:rPr lang="fr-FR" b="0" dirty="0">
+                <a:solidFill>
+                  <a:srgbClr val="D73A49"/>
+                </a:solidFill>
+                <a:effectLst/>
+                <a:latin typeface="Consolas" panose="020B0609020204030204" pitchFamily="49" charset="0"/>
+              </a:rPr>
+              <a:t>:</a:t>
+            </a:r>
+            <a:endParaRPr lang="fr-FR" b="0" dirty="0">
+              <a:solidFill>
+                <a:srgbClr val="24292E"/>
+              </a:solidFill>
+              <a:effectLst/>
+              <a:latin typeface="Consolas" panose="020B0609020204030204" pitchFamily="49" charset="0"/>
+            </a:endParaRPr>
+          </a:p>
+          <a:p>
+            <a:pPr marL="0" indent="0">
+              <a:buNone/>
+            </a:pPr>
+            <a:r>
+              <a:rPr lang="fr-FR" b="0" dirty="0">
+                <a:solidFill>
+                  <a:srgbClr val="24292E"/>
+                </a:solidFill>
+                <a:effectLst/>
+                <a:latin typeface="Consolas" panose="020B0609020204030204" pitchFamily="49" charset="0"/>
+              </a:rPr>
+              <a:t>        </a:t>
+            </a:r>
+            <a:r>
+              <a:rPr lang="fr-FR" b="0" dirty="0" err="1">
+                <a:solidFill>
+                  <a:srgbClr val="D73A49"/>
+                </a:solidFill>
+                <a:effectLst/>
+                <a:latin typeface="Consolas" panose="020B0609020204030204" pitchFamily="49" charset="0"/>
+              </a:rPr>
+              <a:t>int</a:t>
+            </a:r>
+            <a:r>
+              <a:rPr lang="fr-FR" b="0" dirty="0">
+                <a:solidFill>
+                  <a:srgbClr val="24292E"/>
+                </a:solidFill>
+                <a:effectLst/>
+                <a:latin typeface="Consolas" panose="020B0609020204030204" pitchFamily="49" charset="0"/>
+              </a:rPr>
+              <a:t> code;</a:t>
+            </a:r>
+          </a:p>
+          <a:p>
+            <a:pPr marL="0" indent="0">
+              <a:buNone/>
+            </a:pPr>
+            <a:r>
+              <a:rPr lang="fr-FR" b="0" dirty="0">
+                <a:solidFill>
+                  <a:srgbClr val="24292E"/>
+                </a:solidFill>
+                <a:effectLst/>
+                <a:latin typeface="Consolas" panose="020B0609020204030204" pitchFamily="49" charset="0"/>
+              </a:rPr>
+              <a:t>        </a:t>
+            </a:r>
+            <a:r>
+              <a:rPr lang="fr-FR" b="0" dirty="0">
+                <a:solidFill>
+                  <a:srgbClr val="6F42C1"/>
+                </a:solidFill>
+                <a:effectLst/>
+                <a:latin typeface="Consolas" panose="020B0609020204030204" pitchFamily="49" charset="0"/>
+              </a:rPr>
+              <a:t>string</a:t>
+            </a:r>
+            <a:r>
+              <a:rPr lang="fr-FR" b="0" dirty="0">
+                <a:solidFill>
+                  <a:srgbClr val="24292E"/>
+                </a:solidFill>
+                <a:effectLst/>
+                <a:latin typeface="Consolas" panose="020B0609020204030204" pitchFamily="49" charset="0"/>
+              </a:rPr>
+              <a:t> message;</a:t>
+            </a:r>
+          </a:p>
+          <a:p>
+            <a:pPr marL="0" indent="0">
+              <a:buNone/>
+            </a:pPr>
+            <a:r>
+              <a:rPr lang="fr-FR" b="0" dirty="0">
+                <a:solidFill>
+                  <a:srgbClr val="24292E"/>
+                </a:solidFill>
+                <a:effectLst/>
+                <a:latin typeface="Consolas" panose="020B0609020204030204" pitchFamily="49" charset="0"/>
+              </a:rPr>
+              <a:t>    </a:t>
+            </a:r>
+            <a:r>
+              <a:rPr lang="fr-FR" b="0" dirty="0">
+                <a:solidFill>
+                  <a:srgbClr val="D73A49"/>
+                </a:solidFill>
+                <a:effectLst/>
+                <a:latin typeface="Consolas" panose="020B0609020204030204" pitchFamily="49" charset="0"/>
+              </a:rPr>
+              <a:t>public:</a:t>
+            </a:r>
+            <a:endParaRPr lang="fr-FR" b="0" dirty="0">
+              <a:solidFill>
+                <a:srgbClr val="24292E"/>
+              </a:solidFill>
+              <a:effectLst/>
+              <a:latin typeface="Consolas" panose="020B0609020204030204" pitchFamily="49" charset="0"/>
+            </a:endParaRPr>
+          </a:p>
+          <a:p>
+            <a:pPr marL="0" indent="0">
+              <a:buNone/>
+            </a:pPr>
+            <a:r>
+              <a:rPr lang="fr-FR" b="0" dirty="0">
+                <a:solidFill>
+                  <a:srgbClr val="24292E"/>
+                </a:solidFill>
+                <a:effectLst/>
+                <a:latin typeface="Consolas" panose="020B0609020204030204" pitchFamily="49" charset="0"/>
+              </a:rPr>
+              <a:t>        </a:t>
+            </a:r>
+            <a:r>
+              <a:rPr lang="fr-FR" b="0" dirty="0" err="1">
+                <a:solidFill>
+                  <a:srgbClr val="6F42C1"/>
+                </a:solidFill>
+                <a:effectLst/>
+                <a:latin typeface="Consolas" panose="020B0609020204030204" pitchFamily="49" charset="0"/>
+              </a:rPr>
+              <a:t>Error</a:t>
+            </a:r>
+            <a:r>
+              <a:rPr lang="fr-FR" b="0" dirty="0">
+                <a:solidFill>
+                  <a:srgbClr val="24292E"/>
+                </a:solidFill>
+                <a:effectLst/>
+                <a:latin typeface="Consolas" panose="020B0609020204030204" pitchFamily="49" charset="0"/>
+              </a:rPr>
+              <a:t>(</a:t>
+            </a:r>
+            <a:r>
+              <a:rPr lang="fr-FR" b="0" dirty="0">
+                <a:solidFill>
+                  <a:srgbClr val="6F42C1"/>
+                </a:solidFill>
+                <a:effectLst/>
+                <a:latin typeface="Consolas" panose="020B0609020204030204" pitchFamily="49" charset="0"/>
+              </a:rPr>
+              <a:t>string</a:t>
+            </a:r>
+            <a:r>
+              <a:rPr lang="fr-FR" b="0" dirty="0">
+                <a:solidFill>
+                  <a:srgbClr val="24292E"/>
+                </a:solidFill>
+                <a:effectLst/>
+                <a:latin typeface="Consolas" panose="020B0609020204030204" pitchFamily="49" charset="0"/>
+              </a:rPr>
+              <a:t> </a:t>
+            </a:r>
+            <a:r>
+              <a:rPr lang="fr-FR" b="0" dirty="0" err="1">
+                <a:solidFill>
+                  <a:srgbClr val="D73A49"/>
+                </a:solidFill>
+                <a:effectLst/>
+                <a:latin typeface="Consolas" panose="020B0609020204030204" pitchFamily="49" charset="0"/>
+              </a:rPr>
+              <a:t>const</a:t>
+            </a:r>
+            <a:r>
+              <a:rPr lang="fr-FR" b="0" dirty="0">
+                <a:solidFill>
+                  <a:srgbClr val="D73A49"/>
+                </a:solidFill>
+                <a:effectLst/>
+                <a:latin typeface="Consolas" panose="020B0609020204030204" pitchFamily="49" charset="0"/>
+              </a:rPr>
+              <a:t>&amp;</a:t>
+            </a:r>
+            <a:r>
+              <a:rPr lang="fr-FR" b="0" dirty="0">
+                <a:solidFill>
+                  <a:srgbClr val="24292E"/>
+                </a:solidFill>
+                <a:effectLst/>
+                <a:latin typeface="Consolas" panose="020B0609020204030204" pitchFamily="49" charset="0"/>
+              </a:rPr>
+              <a:t> </a:t>
+            </a:r>
+            <a:r>
+              <a:rPr lang="fr-FR" b="0" dirty="0">
+                <a:solidFill>
+                  <a:srgbClr val="E36209"/>
+                </a:solidFill>
+                <a:effectLst/>
+                <a:latin typeface="Consolas" panose="020B0609020204030204" pitchFamily="49" charset="0"/>
+              </a:rPr>
+              <a:t>_message</a:t>
+            </a:r>
+            <a:r>
+              <a:rPr lang="fr-FR" b="0" dirty="0">
+                <a:solidFill>
+                  <a:srgbClr val="24292E"/>
+                </a:solidFill>
+                <a:effectLst/>
+                <a:latin typeface="Consolas" panose="020B0609020204030204" pitchFamily="49" charset="0"/>
+              </a:rPr>
+              <a:t>, </a:t>
+            </a:r>
+            <a:r>
+              <a:rPr lang="fr-FR" b="0" dirty="0" err="1">
+                <a:solidFill>
+                  <a:srgbClr val="D73A49"/>
+                </a:solidFill>
+                <a:effectLst/>
+                <a:latin typeface="Consolas" panose="020B0609020204030204" pitchFamily="49" charset="0"/>
+              </a:rPr>
+              <a:t>int</a:t>
+            </a:r>
+            <a:r>
+              <a:rPr lang="fr-FR" b="0" dirty="0">
+                <a:solidFill>
+                  <a:srgbClr val="24292E"/>
+                </a:solidFill>
+                <a:effectLst/>
+                <a:latin typeface="Consolas" panose="020B0609020204030204" pitchFamily="49" charset="0"/>
+              </a:rPr>
+              <a:t> </a:t>
+            </a:r>
+            <a:r>
+              <a:rPr lang="fr-FR" b="0" dirty="0">
+                <a:solidFill>
+                  <a:srgbClr val="E36209"/>
+                </a:solidFill>
+                <a:effectLst/>
+                <a:latin typeface="Consolas" panose="020B0609020204030204" pitchFamily="49" charset="0"/>
+              </a:rPr>
+              <a:t>_code</a:t>
+            </a:r>
+            <a:r>
+              <a:rPr lang="fr-FR" b="0" dirty="0">
+                <a:solidFill>
+                  <a:srgbClr val="24292E"/>
+                </a:solidFill>
+                <a:effectLst/>
+                <a:latin typeface="Consolas" panose="020B0609020204030204" pitchFamily="49" charset="0"/>
+              </a:rPr>
+              <a:t> </a:t>
+            </a:r>
+            <a:r>
+              <a:rPr lang="fr-FR" b="0" dirty="0">
+                <a:solidFill>
+                  <a:srgbClr val="D73A49"/>
+                </a:solidFill>
+                <a:effectLst/>
+                <a:latin typeface="Consolas" panose="020B0609020204030204" pitchFamily="49" charset="0"/>
+              </a:rPr>
+              <a:t>=</a:t>
+            </a:r>
+            <a:r>
+              <a:rPr lang="fr-FR" b="0" dirty="0">
+                <a:solidFill>
+                  <a:srgbClr val="24292E"/>
+                </a:solidFill>
+                <a:effectLst/>
+                <a:latin typeface="Consolas" panose="020B0609020204030204" pitchFamily="49" charset="0"/>
+              </a:rPr>
+              <a:t> </a:t>
+            </a:r>
+            <a:r>
+              <a:rPr lang="fr-FR" b="0" dirty="0">
+                <a:solidFill>
+                  <a:srgbClr val="005CC5"/>
+                </a:solidFill>
+                <a:effectLst/>
+                <a:latin typeface="Consolas" panose="020B0609020204030204" pitchFamily="49" charset="0"/>
+              </a:rPr>
+              <a:t>0</a:t>
+            </a:r>
+            <a:r>
+              <a:rPr lang="fr-FR" b="0" dirty="0">
+                <a:solidFill>
+                  <a:srgbClr val="24292E"/>
+                </a:solidFill>
+                <a:effectLst/>
+                <a:latin typeface="Consolas" panose="020B0609020204030204" pitchFamily="49" charset="0"/>
+              </a:rPr>
+              <a:t>) </a:t>
+            </a:r>
+            <a:r>
+              <a:rPr lang="fr-FR" b="0" dirty="0" err="1">
+                <a:solidFill>
+                  <a:srgbClr val="D73A49"/>
+                </a:solidFill>
+                <a:effectLst/>
+                <a:latin typeface="Consolas" panose="020B0609020204030204" pitchFamily="49" charset="0"/>
+              </a:rPr>
+              <a:t>throw</a:t>
+            </a:r>
+            <a:r>
+              <a:rPr lang="fr-FR" b="0" dirty="0">
+                <a:solidFill>
+                  <a:srgbClr val="24292E"/>
+                </a:solidFill>
+                <a:effectLst/>
+                <a:latin typeface="Consolas" panose="020B0609020204030204" pitchFamily="49" charset="0"/>
+              </a:rPr>
+              <a:t>() {</a:t>
+            </a:r>
+          </a:p>
+          <a:p>
+            <a:pPr marL="0" indent="0">
+              <a:buNone/>
+            </a:pPr>
+            <a:r>
+              <a:rPr lang="fr-FR" b="0" dirty="0">
+                <a:solidFill>
+                  <a:srgbClr val="24292E"/>
+                </a:solidFill>
+                <a:effectLst/>
+                <a:latin typeface="Consolas" panose="020B0609020204030204" pitchFamily="49" charset="0"/>
+              </a:rPr>
+              <a:t>            code </a:t>
+            </a:r>
+            <a:r>
+              <a:rPr lang="fr-FR" b="0" dirty="0">
+                <a:solidFill>
+                  <a:srgbClr val="D73A49"/>
+                </a:solidFill>
+                <a:effectLst/>
+                <a:latin typeface="Consolas" panose="020B0609020204030204" pitchFamily="49" charset="0"/>
+              </a:rPr>
+              <a:t>=</a:t>
+            </a:r>
+            <a:r>
+              <a:rPr lang="fr-FR" b="0" dirty="0">
+                <a:solidFill>
+                  <a:srgbClr val="24292E"/>
+                </a:solidFill>
+                <a:effectLst/>
+                <a:latin typeface="Consolas" panose="020B0609020204030204" pitchFamily="49" charset="0"/>
+              </a:rPr>
+              <a:t> </a:t>
+            </a:r>
+            <a:r>
+              <a:rPr lang="fr-FR" b="0" dirty="0">
+                <a:solidFill>
+                  <a:srgbClr val="E36209"/>
+                </a:solidFill>
+                <a:effectLst/>
+                <a:latin typeface="Consolas" panose="020B0609020204030204" pitchFamily="49" charset="0"/>
+              </a:rPr>
+              <a:t>_code</a:t>
+            </a:r>
+            <a:r>
+              <a:rPr lang="fr-FR" b="0" dirty="0">
+                <a:solidFill>
+                  <a:srgbClr val="24292E"/>
+                </a:solidFill>
+                <a:effectLst/>
+                <a:latin typeface="Consolas" panose="020B0609020204030204" pitchFamily="49" charset="0"/>
+              </a:rPr>
+              <a:t>;</a:t>
+            </a:r>
+          </a:p>
+          <a:p>
+            <a:pPr marL="0" indent="0">
+              <a:buNone/>
+            </a:pPr>
+            <a:r>
+              <a:rPr lang="fr-FR" b="0" dirty="0">
+                <a:solidFill>
+                  <a:srgbClr val="24292E"/>
+                </a:solidFill>
+                <a:effectLst/>
+                <a:latin typeface="Consolas" panose="020B0609020204030204" pitchFamily="49" charset="0"/>
+              </a:rPr>
+              <a:t>            message </a:t>
+            </a:r>
+            <a:r>
+              <a:rPr lang="fr-FR" b="0" dirty="0">
+                <a:solidFill>
+                  <a:srgbClr val="6F42C1"/>
+                </a:solidFill>
+                <a:effectLst/>
+                <a:latin typeface="Consolas" panose="020B0609020204030204" pitchFamily="49" charset="0"/>
+              </a:rPr>
+              <a:t>=</a:t>
+            </a:r>
+            <a:r>
+              <a:rPr lang="fr-FR" b="0" dirty="0">
+                <a:solidFill>
+                  <a:srgbClr val="24292E"/>
+                </a:solidFill>
+                <a:effectLst/>
+                <a:latin typeface="Consolas" panose="020B0609020204030204" pitchFamily="49" charset="0"/>
+              </a:rPr>
+              <a:t> </a:t>
+            </a:r>
+            <a:r>
+              <a:rPr lang="fr-FR" b="0" dirty="0">
+                <a:solidFill>
+                  <a:srgbClr val="E36209"/>
+                </a:solidFill>
+                <a:effectLst/>
+                <a:latin typeface="Consolas" panose="020B0609020204030204" pitchFamily="49" charset="0"/>
+              </a:rPr>
+              <a:t>_message</a:t>
+            </a:r>
+            <a:r>
+              <a:rPr lang="fr-FR" b="0" dirty="0">
+                <a:solidFill>
+                  <a:srgbClr val="24292E"/>
+                </a:solidFill>
+                <a:effectLst/>
+                <a:latin typeface="Consolas" panose="020B0609020204030204" pitchFamily="49" charset="0"/>
+              </a:rPr>
+              <a:t>;</a:t>
+            </a:r>
+          </a:p>
+          <a:p>
+            <a:pPr marL="0" indent="0">
+              <a:buNone/>
+            </a:pPr>
+            <a:r>
+              <a:rPr lang="fr-FR" b="0" dirty="0">
+                <a:solidFill>
+                  <a:srgbClr val="24292E"/>
+                </a:solidFill>
+                <a:effectLst/>
+                <a:latin typeface="Consolas" panose="020B0609020204030204" pitchFamily="49" charset="0"/>
+              </a:rPr>
+              <a:t>        }</a:t>
+            </a:r>
+          </a:p>
+          <a:p>
+            <a:pPr marL="0" indent="0">
+              <a:spcBef>
+                <a:spcPts val="1800"/>
+              </a:spcBef>
+              <a:buNone/>
+            </a:pPr>
+            <a:r>
+              <a:rPr lang="fr-FR" b="0" dirty="0">
+                <a:solidFill>
+                  <a:srgbClr val="24292E"/>
+                </a:solidFill>
+                <a:effectLst/>
+                <a:latin typeface="Consolas" panose="020B0609020204030204" pitchFamily="49" charset="0"/>
+              </a:rPr>
+              <a:t>        </a:t>
+            </a:r>
+            <a:r>
+              <a:rPr lang="fr-FR" b="0" dirty="0" err="1">
+                <a:solidFill>
+                  <a:srgbClr val="D73A49"/>
+                </a:solidFill>
+                <a:effectLst/>
+                <a:latin typeface="Consolas" panose="020B0609020204030204" pitchFamily="49" charset="0"/>
+              </a:rPr>
+              <a:t>virtual</a:t>
+            </a:r>
+            <a:r>
+              <a:rPr lang="fr-FR" b="0" dirty="0">
+                <a:solidFill>
+                  <a:srgbClr val="24292E"/>
+                </a:solidFill>
+                <a:effectLst/>
+                <a:latin typeface="Consolas" panose="020B0609020204030204" pitchFamily="49" charset="0"/>
+              </a:rPr>
+              <a:t> </a:t>
+            </a:r>
+            <a:r>
+              <a:rPr lang="fr-FR" b="0" dirty="0" err="1">
+                <a:solidFill>
+                  <a:srgbClr val="D73A49"/>
+                </a:solidFill>
+                <a:effectLst/>
+                <a:latin typeface="Consolas" panose="020B0609020204030204" pitchFamily="49" charset="0"/>
+              </a:rPr>
+              <a:t>const</a:t>
+            </a:r>
+            <a:r>
+              <a:rPr lang="fr-FR" b="0" dirty="0">
+                <a:solidFill>
+                  <a:srgbClr val="24292E"/>
+                </a:solidFill>
+                <a:effectLst/>
+                <a:latin typeface="Consolas" panose="020B0609020204030204" pitchFamily="49" charset="0"/>
+              </a:rPr>
+              <a:t> </a:t>
+            </a:r>
+            <a:r>
+              <a:rPr lang="fr-FR" b="0" dirty="0">
+                <a:solidFill>
+                  <a:srgbClr val="D73A49"/>
+                </a:solidFill>
+                <a:effectLst/>
+                <a:latin typeface="Consolas" panose="020B0609020204030204" pitchFamily="49" charset="0"/>
+              </a:rPr>
+              <a:t>char*</a:t>
+            </a:r>
+            <a:r>
+              <a:rPr lang="fr-FR" b="0" dirty="0">
+                <a:solidFill>
+                  <a:srgbClr val="24292E"/>
+                </a:solidFill>
+                <a:effectLst/>
+                <a:latin typeface="Consolas" panose="020B0609020204030204" pitchFamily="49" charset="0"/>
+              </a:rPr>
+              <a:t> </a:t>
+            </a:r>
+            <a:r>
+              <a:rPr lang="fr-FR" b="0" dirty="0" err="1">
+                <a:solidFill>
+                  <a:srgbClr val="6F42C1"/>
+                </a:solidFill>
+                <a:effectLst/>
+                <a:latin typeface="Consolas" panose="020B0609020204030204" pitchFamily="49" charset="0"/>
+              </a:rPr>
+              <a:t>what</a:t>
+            </a:r>
+            <a:r>
+              <a:rPr lang="fr-FR" b="0" dirty="0">
+                <a:solidFill>
+                  <a:srgbClr val="24292E"/>
+                </a:solidFill>
+                <a:effectLst/>
+                <a:latin typeface="Consolas" panose="020B0609020204030204" pitchFamily="49" charset="0"/>
+              </a:rPr>
+              <a:t>() </a:t>
+            </a:r>
+            <a:r>
+              <a:rPr lang="fr-FR" b="0" dirty="0" err="1">
+                <a:solidFill>
+                  <a:srgbClr val="D73A49"/>
+                </a:solidFill>
+                <a:effectLst/>
+                <a:latin typeface="Consolas" panose="020B0609020204030204" pitchFamily="49" charset="0"/>
+              </a:rPr>
+              <a:t>const</a:t>
+            </a:r>
+            <a:r>
+              <a:rPr lang="fr-FR" b="0" dirty="0">
+                <a:solidFill>
+                  <a:srgbClr val="24292E"/>
+                </a:solidFill>
+                <a:effectLst/>
+                <a:latin typeface="Consolas" panose="020B0609020204030204" pitchFamily="49" charset="0"/>
+              </a:rPr>
+              <a:t> </a:t>
+            </a:r>
+            <a:r>
+              <a:rPr lang="fr-FR" b="0" dirty="0" err="1">
+                <a:solidFill>
+                  <a:srgbClr val="D73A49"/>
+                </a:solidFill>
+                <a:effectLst/>
+                <a:latin typeface="Consolas" panose="020B0609020204030204" pitchFamily="49" charset="0"/>
+              </a:rPr>
+              <a:t>throw</a:t>
+            </a:r>
+            <a:r>
+              <a:rPr lang="fr-FR" b="0" dirty="0">
+                <a:solidFill>
+                  <a:srgbClr val="24292E"/>
+                </a:solidFill>
+                <a:effectLst/>
+                <a:latin typeface="Consolas" panose="020B0609020204030204" pitchFamily="49" charset="0"/>
+              </a:rPr>
+              <a:t>() {   </a:t>
+            </a:r>
+            <a:r>
+              <a:rPr lang="fr-FR" b="0" dirty="0">
+                <a:solidFill>
+                  <a:srgbClr val="00B050"/>
+                </a:solidFill>
+                <a:effectLst/>
+                <a:latin typeface="Consolas" panose="020B0609020204030204" pitchFamily="49" charset="0"/>
+              </a:rPr>
+              <a:t>// C’est LA fonction à redéfinir</a:t>
+            </a:r>
+          </a:p>
+          <a:p>
+            <a:pPr marL="0" indent="0">
+              <a:buNone/>
+            </a:pPr>
+            <a:r>
+              <a:rPr lang="fr-FR" b="0" dirty="0">
+                <a:solidFill>
+                  <a:srgbClr val="24292E"/>
+                </a:solidFill>
+                <a:effectLst/>
+                <a:latin typeface="Consolas" panose="020B0609020204030204" pitchFamily="49" charset="0"/>
+              </a:rPr>
+              <a:t>            </a:t>
+            </a:r>
+            <a:r>
+              <a:rPr lang="fr-FR" b="0" dirty="0">
+                <a:solidFill>
+                  <a:srgbClr val="D73A49"/>
+                </a:solidFill>
+                <a:effectLst/>
+                <a:latin typeface="Consolas" panose="020B0609020204030204" pitchFamily="49" charset="0"/>
+              </a:rPr>
+              <a:t>return</a:t>
+            </a:r>
+            <a:r>
+              <a:rPr lang="fr-FR" b="0" dirty="0">
+                <a:solidFill>
+                  <a:srgbClr val="24292E"/>
+                </a:solidFill>
+                <a:effectLst/>
+                <a:latin typeface="Consolas" panose="020B0609020204030204" pitchFamily="49" charset="0"/>
+              </a:rPr>
+              <a:t> </a:t>
+            </a:r>
+            <a:r>
+              <a:rPr lang="fr-FR" b="0" dirty="0" err="1">
+                <a:solidFill>
+                  <a:srgbClr val="24292E"/>
+                </a:solidFill>
+                <a:effectLst/>
+                <a:latin typeface="Consolas" panose="020B0609020204030204" pitchFamily="49" charset="0"/>
+              </a:rPr>
+              <a:t>message.</a:t>
+            </a:r>
+            <a:r>
+              <a:rPr lang="fr-FR" b="0" dirty="0" err="1">
+                <a:solidFill>
+                  <a:srgbClr val="6F42C1"/>
+                </a:solidFill>
+                <a:effectLst/>
+                <a:latin typeface="Consolas" panose="020B0609020204030204" pitchFamily="49" charset="0"/>
+              </a:rPr>
+              <a:t>c_str</a:t>
+            </a:r>
+            <a:r>
+              <a:rPr lang="fr-FR" b="0" dirty="0">
+                <a:solidFill>
+                  <a:srgbClr val="24292E"/>
+                </a:solidFill>
+                <a:effectLst/>
+                <a:latin typeface="Consolas" panose="020B0609020204030204" pitchFamily="49" charset="0"/>
+              </a:rPr>
+              <a:t>();		</a:t>
+            </a:r>
+          </a:p>
+          <a:p>
+            <a:pPr marL="0" indent="0">
+              <a:buNone/>
+            </a:pPr>
+            <a:r>
+              <a:rPr lang="fr-FR" b="0" dirty="0">
+                <a:solidFill>
+                  <a:srgbClr val="24292E"/>
+                </a:solidFill>
+                <a:effectLst/>
+                <a:latin typeface="Consolas" panose="020B0609020204030204" pitchFamily="49" charset="0"/>
+              </a:rPr>
+              <a:t>        }</a:t>
+            </a:r>
+          </a:p>
+          <a:p>
+            <a:pPr marL="0" indent="0">
+              <a:spcBef>
+                <a:spcPts val="1800"/>
+              </a:spcBef>
+              <a:buNone/>
+            </a:pPr>
+            <a:r>
+              <a:rPr lang="fr-FR" b="0" dirty="0">
+                <a:solidFill>
+                  <a:srgbClr val="24292E"/>
+                </a:solidFill>
+                <a:effectLst/>
+                <a:latin typeface="Consolas" panose="020B0609020204030204" pitchFamily="49" charset="0"/>
+              </a:rPr>
+              <a:t>        </a:t>
+            </a:r>
+            <a:r>
+              <a:rPr lang="fr-FR" b="0" dirty="0" err="1">
+                <a:solidFill>
+                  <a:srgbClr val="D73A49"/>
+                </a:solidFill>
+                <a:effectLst/>
+                <a:latin typeface="Consolas" panose="020B0609020204030204" pitchFamily="49" charset="0"/>
+              </a:rPr>
+              <a:t>int</a:t>
+            </a:r>
+            <a:r>
+              <a:rPr lang="fr-FR" b="0" dirty="0">
+                <a:solidFill>
+                  <a:srgbClr val="24292E"/>
+                </a:solidFill>
+                <a:effectLst/>
+                <a:latin typeface="Consolas" panose="020B0609020204030204" pitchFamily="49" charset="0"/>
+              </a:rPr>
+              <a:t> </a:t>
+            </a:r>
+            <a:r>
+              <a:rPr lang="fr-FR" b="0" dirty="0" err="1">
+                <a:solidFill>
+                  <a:srgbClr val="6F42C1"/>
+                </a:solidFill>
+                <a:effectLst/>
+                <a:latin typeface="Consolas" panose="020B0609020204030204" pitchFamily="49" charset="0"/>
+              </a:rPr>
+              <a:t>getCode</a:t>
+            </a:r>
+            <a:r>
+              <a:rPr lang="fr-FR" b="0" dirty="0">
+                <a:solidFill>
+                  <a:srgbClr val="24292E"/>
+                </a:solidFill>
+                <a:effectLst/>
+                <a:latin typeface="Consolas" panose="020B0609020204030204" pitchFamily="49" charset="0"/>
+              </a:rPr>
+              <a:t>() </a:t>
+            </a:r>
+            <a:r>
+              <a:rPr lang="fr-FR" b="0" dirty="0" err="1">
+                <a:solidFill>
+                  <a:srgbClr val="D73A49"/>
+                </a:solidFill>
+                <a:effectLst/>
+                <a:latin typeface="Consolas" panose="020B0609020204030204" pitchFamily="49" charset="0"/>
+              </a:rPr>
+              <a:t>const</a:t>
+            </a:r>
+            <a:r>
+              <a:rPr lang="fr-FR" b="0" dirty="0">
+                <a:solidFill>
+                  <a:srgbClr val="24292E"/>
+                </a:solidFill>
+                <a:effectLst/>
+                <a:latin typeface="Consolas" panose="020B0609020204030204" pitchFamily="49" charset="0"/>
+              </a:rPr>
+              <a:t> </a:t>
+            </a:r>
+            <a:r>
+              <a:rPr lang="fr-FR" b="0" dirty="0" err="1">
+                <a:solidFill>
+                  <a:srgbClr val="D73A49"/>
+                </a:solidFill>
+                <a:effectLst/>
+                <a:latin typeface="Consolas" panose="020B0609020204030204" pitchFamily="49" charset="0"/>
+              </a:rPr>
+              <a:t>throw</a:t>
+            </a:r>
+            <a:r>
+              <a:rPr lang="fr-FR" b="0" dirty="0">
+                <a:solidFill>
+                  <a:srgbClr val="24292E"/>
+                </a:solidFill>
+                <a:effectLst/>
+                <a:latin typeface="Consolas" panose="020B0609020204030204" pitchFamily="49" charset="0"/>
+              </a:rPr>
+              <a:t>() {</a:t>
+            </a:r>
+          </a:p>
+          <a:p>
+            <a:pPr marL="0" indent="0">
+              <a:buNone/>
+            </a:pPr>
+            <a:r>
+              <a:rPr lang="fr-FR" b="0" dirty="0">
+                <a:solidFill>
+                  <a:srgbClr val="24292E"/>
+                </a:solidFill>
+                <a:effectLst/>
+                <a:latin typeface="Consolas" panose="020B0609020204030204" pitchFamily="49" charset="0"/>
+              </a:rPr>
+              <a:t>            </a:t>
+            </a:r>
+            <a:r>
+              <a:rPr lang="fr-FR" b="0" dirty="0">
+                <a:solidFill>
+                  <a:srgbClr val="D73A49"/>
+                </a:solidFill>
+                <a:effectLst/>
+                <a:latin typeface="Consolas" panose="020B0609020204030204" pitchFamily="49" charset="0"/>
+              </a:rPr>
+              <a:t>return</a:t>
+            </a:r>
+            <a:r>
+              <a:rPr lang="fr-FR" b="0" dirty="0">
+                <a:solidFill>
+                  <a:srgbClr val="24292E"/>
+                </a:solidFill>
+                <a:effectLst/>
+                <a:latin typeface="Consolas" panose="020B0609020204030204" pitchFamily="49" charset="0"/>
+              </a:rPr>
+              <a:t> code;</a:t>
+            </a:r>
+          </a:p>
+          <a:p>
+            <a:pPr marL="0" indent="0">
+              <a:buNone/>
+            </a:pPr>
+            <a:r>
+              <a:rPr lang="fr-FR" b="0" dirty="0">
+                <a:solidFill>
+                  <a:srgbClr val="24292E"/>
+                </a:solidFill>
+                <a:effectLst/>
+                <a:latin typeface="Consolas" panose="020B0609020204030204" pitchFamily="49" charset="0"/>
+              </a:rPr>
+              <a:t>        }</a:t>
+            </a:r>
+          </a:p>
+          <a:p>
+            <a:pPr marL="0" indent="0">
+              <a:spcBef>
+                <a:spcPts val="1800"/>
+              </a:spcBef>
+              <a:buNone/>
+            </a:pPr>
+            <a:r>
+              <a:rPr lang="fr-FR" b="0" dirty="0">
+                <a:solidFill>
+                  <a:srgbClr val="24292E"/>
+                </a:solidFill>
+                <a:effectLst/>
+                <a:latin typeface="Consolas" panose="020B0609020204030204" pitchFamily="49" charset="0"/>
+              </a:rPr>
+              <a:t>        </a:t>
+            </a:r>
+            <a:r>
+              <a:rPr lang="fr-FR" b="0" dirty="0" err="1">
+                <a:solidFill>
+                  <a:srgbClr val="D73A49"/>
+                </a:solidFill>
+                <a:effectLst/>
+                <a:latin typeface="Consolas" panose="020B0609020204030204" pitchFamily="49" charset="0"/>
+              </a:rPr>
+              <a:t>virtual</a:t>
+            </a:r>
+            <a:r>
+              <a:rPr lang="fr-FR" b="0" dirty="0">
+                <a:solidFill>
+                  <a:srgbClr val="24292E"/>
+                </a:solidFill>
+                <a:effectLst/>
+                <a:latin typeface="Consolas" panose="020B0609020204030204" pitchFamily="49" charset="0"/>
+              </a:rPr>
+              <a:t> </a:t>
+            </a:r>
+            <a:r>
+              <a:rPr lang="fr-FR" b="0" dirty="0">
+                <a:solidFill>
+                  <a:srgbClr val="6F42C1"/>
+                </a:solidFill>
+                <a:effectLst/>
+                <a:latin typeface="Consolas" panose="020B0609020204030204" pitchFamily="49" charset="0"/>
+              </a:rPr>
+              <a:t>~Erreur</a:t>
+            </a:r>
+            <a:r>
+              <a:rPr lang="fr-FR" b="0" dirty="0">
+                <a:solidFill>
+                  <a:srgbClr val="24292E"/>
+                </a:solidFill>
+                <a:effectLst/>
+                <a:latin typeface="Consolas" panose="020B0609020204030204" pitchFamily="49" charset="0"/>
+              </a:rPr>
+              <a:t>() </a:t>
+            </a:r>
+            <a:r>
+              <a:rPr lang="fr-FR" b="0" dirty="0" err="1">
+                <a:solidFill>
+                  <a:srgbClr val="D73A49"/>
+                </a:solidFill>
+                <a:effectLst/>
+                <a:latin typeface="Consolas" panose="020B0609020204030204" pitchFamily="49" charset="0"/>
+              </a:rPr>
+              <a:t>throw</a:t>
+            </a:r>
+            <a:r>
+              <a:rPr lang="fr-FR" b="0" dirty="0">
+                <a:solidFill>
+                  <a:srgbClr val="24292E"/>
+                </a:solidFill>
+                <a:effectLst/>
+                <a:latin typeface="Consolas" panose="020B0609020204030204" pitchFamily="49" charset="0"/>
+              </a:rPr>
+              <a:t>() {}</a:t>
+            </a:r>
+          </a:p>
+          <a:p>
+            <a:pPr marL="0" indent="0">
+              <a:buNone/>
+            </a:pPr>
+            <a:r>
+              <a:rPr lang="fr-FR" b="0" dirty="0">
+                <a:solidFill>
+                  <a:srgbClr val="24292E"/>
+                </a:solidFill>
+                <a:effectLst/>
+                <a:latin typeface="Consolas" panose="020B0609020204030204" pitchFamily="49" charset="0"/>
+              </a:rPr>
+              <a:t>};</a:t>
+            </a:r>
+          </a:p>
+        </p:txBody>
+      </p:sp>
+      <p:sp>
+        <p:nvSpPr>
+          <p:cNvPr id="5" name="Titre 3">
+            <a:extLst>
+              <a:ext uri="{FF2B5EF4-FFF2-40B4-BE49-F238E27FC236}">
+                <a16:creationId xmlns:a16="http://schemas.microsoft.com/office/drawing/2014/main" id="{8552151E-FF65-47AA-AC7C-2F604D250B1B}"/>
+              </a:ext>
+            </a:extLst>
+          </p:cNvPr>
+          <p:cNvSpPr>
+            <a:spLocks noGrp="1"/>
+          </p:cNvSpPr>
+          <p:nvPr>
+            <p:ph type="title"/>
+          </p:nvPr>
+        </p:nvSpPr>
+        <p:spPr>
+          <a:xfrm>
+            <a:off x="838200" y="365125"/>
+            <a:ext cx="10515600" cy="1325563"/>
+          </a:xfrm>
+        </p:spPr>
+        <p:txBody>
+          <a:bodyPr/>
+          <a:lstStyle/>
+          <a:p>
+            <a:pPr algn="r"/>
+            <a:r>
+              <a:rPr lang="fr-FR" dirty="0"/>
+              <a:t>Exemple de dérivation</a:t>
+            </a:r>
+          </a:p>
+        </p:txBody>
+      </p:sp>
+    </p:spTree>
+    <p:extLst>
+      <p:ext uri="{BB962C8B-B14F-4D97-AF65-F5344CB8AC3E}">
+        <p14:creationId xmlns:p14="http://schemas.microsoft.com/office/powerpoint/2010/main" val="3356023599"/>
+      </p:ext>
+    </p:extLst>
+  </p:cSld>
+  <p:clrMapOvr>
+    <a:masterClrMapping/>
+  </p:clrMapOvr>
+</p:sld>
+</file>
+
+<file path=ppt/slides/slide12.xml><?xml version="1.0" encoding="utf-8"?>
+<p:sld xmlns:a="http://schemas.openxmlformats.org/drawingml/2006/main" xmlns:r="http://schemas.openxmlformats.org/officeDocument/2006/relationships" xmlns:p="http://schemas.openxmlformats.org/presentationml/2006/main">
+  <p:cSld>
+    <p:spTree>
+      <p:nvGrpSpPr>
+        <p:cNvPr id="1" name=""/>
+        <p:cNvGrpSpPr/>
+        <p:nvPr/>
+      </p:nvGrpSpPr>
+      <p:grpSpPr>
+        <a:xfrm>
+          <a:off x="0" y="0"/>
+          <a:ext cx="0" cy="0"/>
+          <a:chOff x="0" y="0"/>
+          <a:chExt cx="0" cy="0"/>
+        </a:xfrm>
+      </p:grpSpPr>
+      <p:sp>
+        <p:nvSpPr>
+          <p:cNvPr id="3" name="Espace réservé du contenu 2">
+            <a:extLst>
+              <a:ext uri="{FF2B5EF4-FFF2-40B4-BE49-F238E27FC236}">
+                <a16:creationId xmlns:a16="http://schemas.microsoft.com/office/drawing/2014/main" id="{CFD72C91-3078-4D5B-835D-02A0A738CD82}"/>
+              </a:ext>
+            </a:extLst>
+          </p:cNvPr>
+          <p:cNvSpPr>
+            <a:spLocks noGrp="1"/>
+          </p:cNvSpPr>
+          <p:nvPr>
+            <p:ph idx="1"/>
+          </p:nvPr>
+        </p:nvSpPr>
+        <p:spPr>
+          <a:xfrm>
+            <a:off x="838200" y="314036"/>
+            <a:ext cx="10515600" cy="6543964"/>
+          </a:xfrm>
+        </p:spPr>
+        <p:txBody>
+          <a:bodyPr>
+            <a:normAutofit fontScale="55000" lnSpcReduction="20000"/>
+          </a:bodyPr>
+          <a:lstStyle/>
+          <a:p>
+            <a:pPr marL="0" indent="0">
+              <a:buNone/>
+            </a:pPr>
+            <a:r>
+              <a:rPr lang="fr-FR" b="0" dirty="0" err="1">
+                <a:solidFill>
+                  <a:srgbClr val="D73A49"/>
+                </a:solidFill>
+                <a:effectLst/>
+                <a:latin typeface="Consolas" panose="020B0609020204030204" pitchFamily="49" charset="0"/>
+              </a:rPr>
+              <a:t>int</a:t>
+            </a:r>
+            <a:r>
+              <a:rPr lang="fr-FR" b="0" dirty="0">
+                <a:solidFill>
+                  <a:srgbClr val="24292E"/>
+                </a:solidFill>
+                <a:effectLst/>
+                <a:latin typeface="Consolas" panose="020B0609020204030204" pitchFamily="49" charset="0"/>
+              </a:rPr>
+              <a:t> </a:t>
+            </a:r>
+            <a:r>
+              <a:rPr lang="fr-FR" b="0" dirty="0">
+                <a:solidFill>
+                  <a:srgbClr val="6F42C1"/>
+                </a:solidFill>
+                <a:effectLst/>
+                <a:latin typeface="Consolas" panose="020B0609020204030204" pitchFamily="49" charset="0"/>
+              </a:rPr>
+              <a:t>division</a:t>
+            </a:r>
+            <a:r>
+              <a:rPr lang="fr-FR" b="0" dirty="0">
+                <a:solidFill>
+                  <a:srgbClr val="24292E"/>
+                </a:solidFill>
+                <a:effectLst/>
+                <a:latin typeface="Consolas" panose="020B0609020204030204" pitchFamily="49" charset="0"/>
+              </a:rPr>
+              <a:t>(</a:t>
+            </a:r>
+            <a:r>
+              <a:rPr lang="fr-FR" b="0" dirty="0" err="1">
+                <a:solidFill>
+                  <a:srgbClr val="D73A49"/>
+                </a:solidFill>
+                <a:effectLst/>
+                <a:latin typeface="Consolas" panose="020B0609020204030204" pitchFamily="49" charset="0"/>
+              </a:rPr>
+              <a:t>int</a:t>
+            </a:r>
+            <a:r>
+              <a:rPr lang="fr-FR" b="0" dirty="0">
+                <a:solidFill>
+                  <a:srgbClr val="24292E"/>
+                </a:solidFill>
+                <a:effectLst/>
+                <a:latin typeface="Consolas" panose="020B0609020204030204" pitchFamily="49" charset="0"/>
+              </a:rPr>
+              <a:t> </a:t>
+            </a:r>
+            <a:r>
+              <a:rPr lang="fr-FR" b="0" dirty="0">
+                <a:solidFill>
+                  <a:srgbClr val="E36209"/>
+                </a:solidFill>
+                <a:effectLst/>
+                <a:latin typeface="Consolas" panose="020B0609020204030204" pitchFamily="49" charset="0"/>
+              </a:rPr>
+              <a:t>a</a:t>
+            </a:r>
+            <a:r>
+              <a:rPr lang="fr-FR" b="0" dirty="0">
+                <a:solidFill>
+                  <a:srgbClr val="24292E"/>
+                </a:solidFill>
+                <a:effectLst/>
+                <a:latin typeface="Consolas" panose="020B0609020204030204" pitchFamily="49" charset="0"/>
+              </a:rPr>
+              <a:t>, </a:t>
+            </a:r>
+            <a:r>
+              <a:rPr lang="fr-FR" b="0" dirty="0" err="1">
+                <a:solidFill>
+                  <a:srgbClr val="D73A49"/>
+                </a:solidFill>
+                <a:effectLst/>
+                <a:latin typeface="Consolas" panose="020B0609020204030204" pitchFamily="49" charset="0"/>
+              </a:rPr>
+              <a:t>int</a:t>
+            </a:r>
+            <a:r>
+              <a:rPr lang="fr-FR" b="0" dirty="0">
+                <a:solidFill>
+                  <a:srgbClr val="24292E"/>
+                </a:solidFill>
+                <a:effectLst/>
+                <a:latin typeface="Consolas" panose="020B0609020204030204" pitchFamily="49" charset="0"/>
+              </a:rPr>
+              <a:t> </a:t>
+            </a:r>
+            <a:r>
+              <a:rPr lang="fr-FR" b="0" dirty="0">
+                <a:solidFill>
+                  <a:srgbClr val="E36209"/>
+                </a:solidFill>
+                <a:effectLst/>
+                <a:latin typeface="Consolas" panose="020B0609020204030204" pitchFamily="49" charset="0"/>
+              </a:rPr>
+              <a:t>b</a:t>
+            </a:r>
+            <a:r>
+              <a:rPr lang="fr-FR" b="0" dirty="0">
+                <a:solidFill>
+                  <a:srgbClr val="24292E"/>
+                </a:solidFill>
+                <a:effectLst/>
+                <a:latin typeface="Consolas" panose="020B0609020204030204" pitchFamily="49" charset="0"/>
+              </a:rPr>
+              <a:t>) {</a:t>
+            </a:r>
+          </a:p>
+          <a:p>
+            <a:pPr marL="0" indent="0">
+              <a:buNone/>
+            </a:pPr>
+            <a:r>
+              <a:rPr lang="fr-FR" b="0" dirty="0">
+                <a:solidFill>
+                  <a:srgbClr val="24292E"/>
+                </a:solidFill>
+                <a:effectLst/>
+                <a:latin typeface="Consolas" panose="020B0609020204030204" pitchFamily="49" charset="0"/>
+              </a:rPr>
+              <a:t>    </a:t>
+            </a:r>
+            <a:r>
+              <a:rPr lang="fr-FR" b="0" dirty="0">
+                <a:solidFill>
+                  <a:srgbClr val="D73A49"/>
+                </a:solidFill>
+                <a:effectLst/>
+                <a:latin typeface="Consolas" panose="020B0609020204030204" pitchFamily="49" charset="0"/>
+              </a:rPr>
+              <a:t>if</a:t>
+            </a:r>
+            <a:r>
+              <a:rPr lang="fr-FR" b="0" dirty="0">
+                <a:solidFill>
+                  <a:srgbClr val="24292E"/>
+                </a:solidFill>
+                <a:effectLst/>
+                <a:latin typeface="Consolas" panose="020B0609020204030204" pitchFamily="49" charset="0"/>
+              </a:rPr>
+              <a:t> (</a:t>
+            </a:r>
+            <a:r>
+              <a:rPr lang="fr-FR" b="0" dirty="0">
+                <a:solidFill>
+                  <a:srgbClr val="E36209"/>
+                </a:solidFill>
+                <a:effectLst/>
+                <a:latin typeface="Consolas" panose="020B0609020204030204" pitchFamily="49" charset="0"/>
+              </a:rPr>
+              <a:t>b</a:t>
+            </a:r>
+            <a:r>
+              <a:rPr lang="fr-FR" b="0" dirty="0">
+                <a:solidFill>
+                  <a:srgbClr val="24292E"/>
+                </a:solidFill>
+                <a:effectLst/>
+                <a:latin typeface="Consolas" panose="020B0609020204030204" pitchFamily="49" charset="0"/>
+              </a:rPr>
+              <a:t> </a:t>
+            </a:r>
+            <a:r>
+              <a:rPr lang="fr-FR" b="0" dirty="0">
+                <a:solidFill>
+                  <a:srgbClr val="D73A49"/>
+                </a:solidFill>
+                <a:effectLst/>
+                <a:latin typeface="Consolas" panose="020B0609020204030204" pitchFamily="49" charset="0"/>
+              </a:rPr>
+              <a:t>==</a:t>
+            </a:r>
+            <a:r>
+              <a:rPr lang="fr-FR" b="0" dirty="0">
+                <a:solidFill>
+                  <a:srgbClr val="24292E"/>
+                </a:solidFill>
+                <a:effectLst/>
+                <a:latin typeface="Consolas" panose="020B0609020204030204" pitchFamily="49" charset="0"/>
+              </a:rPr>
+              <a:t> </a:t>
+            </a:r>
+            <a:r>
+              <a:rPr lang="fr-FR" b="0" dirty="0">
+                <a:solidFill>
+                  <a:srgbClr val="005CC5"/>
+                </a:solidFill>
+                <a:effectLst/>
+                <a:latin typeface="Consolas" panose="020B0609020204030204" pitchFamily="49" charset="0"/>
+              </a:rPr>
+              <a:t>0</a:t>
+            </a:r>
+            <a:r>
+              <a:rPr lang="fr-FR" b="0" dirty="0">
+                <a:solidFill>
+                  <a:srgbClr val="24292E"/>
+                </a:solidFill>
+                <a:effectLst/>
+                <a:latin typeface="Consolas" panose="020B0609020204030204" pitchFamily="49" charset="0"/>
+              </a:rPr>
+              <a:t>) {</a:t>
+            </a:r>
+          </a:p>
+          <a:p>
+            <a:pPr marL="0" indent="0">
+              <a:buNone/>
+            </a:pPr>
+            <a:r>
+              <a:rPr lang="fr-FR" b="0" dirty="0">
+                <a:solidFill>
+                  <a:srgbClr val="24292E"/>
+                </a:solidFill>
+                <a:effectLst/>
+                <a:latin typeface="Consolas" panose="020B0609020204030204" pitchFamily="49" charset="0"/>
+              </a:rPr>
+              <a:t>        </a:t>
+            </a:r>
+            <a:r>
+              <a:rPr lang="fr-FR" b="0" dirty="0" err="1">
+                <a:solidFill>
+                  <a:srgbClr val="D73A49"/>
+                </a:solidFill>
+                <a:effectLst/>
+                <a:latin typeface="Consolas" panose="020B0609020204030204" pitchFamily="49" charset="0"/>
+              </a:rPr>
+              <a:t>throw</a:t>
+            </a:r>
+            <a:r>
+              <a:rPr lang="fr-FR" b="0" dirty="0">
+                <a:solidFill>
+                  <a:srgbClr val="24292E"/>
+                </a:solidFill>
+                <a:effectLst/>
+                <a:latin typeface="Consolas" panose="020B0609020204030204" pitchFamily="49" charset="0"/>
+              </a:rPr>
+              <a:t> </a:t>
+            </a:r>
+            <a:r>
+              <a:rPr lang="fr-FR" b="0" dirty="0" err="1">
+                <a:solidFill>
+                  <a:srgbClr val="6F42C1"/>
+                </a:solidFill>
+                <a:effectLst/>
+                <a:latin typeface="Consolas" panose="020B0609020204030204" pitchFamily="49" charset="0"/>
+              </a:rPr>
+              <a:t>Error</a:t>
+            </a:r>
+            <a:r>
+              <a:rPr lang="fr-FR" b="0" dirty="0">
+                <a:solidFill>
+                  <a:srgbClr val="24292E"/>
+                </a:solidFill>
+                <a:effectLst/>
+                <a:latin typeface="Consolas" panose="020B0609020204030204" pitchFamily="49" charset="0"/>
+              </a:rPr>
+              <a:t>(</a:t>
+            </a:r>
+            <a:r>
+              <a:rPr lang="fr-FR" b="0" dirty="0">
+                <a:solidFill>
+                  <a:srgbClr val="032F62"/>
+                </a:solidFill>
+                <a:effectLst/>
+                <a:latin typeface="Consolas" panose="020B0609020204030204" pitchFamily="49" charset="0"/>
+              </a:rPr>
+              <a:t>"Division par 0"</a:t>
+            </a:r>
+            <a:r>
+              <a:rPr lang="fr-FR" b="0" dirty="0">
+                <a:solidFill>
+                  <a:srgbClr val="24292E"/>
+                </a:solidFill>
+                <a:effectLst/>
+                <a:latin typeface="Consolas" panose="020B0609020204030204" pitchFamily="49" charset="0"/>
+              </a:rPr>
+              <a:t>, </a:t>
+            </a:r>
+            <a:r>
+              <a:rPr lang="fr-FR" b="0" dirty="0">
+                <a:solidFill>
+                  <a:srgbClr val="005CC5"/>
+                </a:solidFill>
+                <a:effectLst/>
+                <a:latin typeface="Consolas" panose="020B0609020204030204" pitchFamily="49" charset="0"/>
+              </a:rPr>
+              <a:t>1</a:t>
+            </a:r>
+            <a:r>
+              <a:rPr lang="fr-FR" b="0" dirty="0">
+                <a:solidFill>
+                  <a:srgbClr val="24292E"/>
+                </a:solidFill>
+                <a:effectLst/>
+                <a:latin typeface="Consolas" panose="020B0609020204030204" pitchFamily="49" charset="0"/>
+              </a:rPr>
+              <a:t>);</a:t>
+            </a:r>
+          </a:p>
+          <a:p>
+            <a:pPr marL="0" indent="0">
+              <a:buNone/>
+            </a:pPr>
+            <a:r>
+              <a:rPr lang="fr-FR" b="0" dirty="0">
+                <a:solidFill>
+                  <a:srgbClr val="24292E"/>
+                </a:solidFill>
+                <a:effectLst/>
+                <a:latin typeface="Consolas" panose="020B0609020204030204" pitchFamily="49" charset="0"/>
+              </a:rPr>
+              <a:t>    }</a:t>
+            </a:r>
+          </a:p>
+          <a:p>
+            <a:pPr marL="0" indent="0">
+              <a:buNone/>
+            </a:pPr>
+            <a:r>
+              <a:rPr lang="fr-FR" b="0" dirty="0">
+                <a:solidFill>
+                  <a:srgbClr val="24292E"/>
+                </a:solidFill>
+                <a:effectLst/>
+                <a:latin typeface="Consolas" panose="020B0609020204030204" pitchFamily="49" charset="0"/>
+              </a:rPr>
+              <a:t>    </a:t>
+            </a:r>
+            <a:r>
+              <a:rPr lang="fr-FR" b="0" dirty="0">
+                <a:solidFill>
+                  <a:srgbClr val="D73A49"/>
+                </a:solidFill>
+                <a:effectLst/>
+                <a:latin typeface="Consolas" panose="020B0609020204030204" pitchFamily="49" charset="0"/>
+              </a:rPr>
+              <a:t>return</a:t>
+            </a:r>
+            <a:r>
+              <a:rPr lang="fr-FR" b="0" dirty="0">
+                <a:solidFill>
+                  <a:srgbClr val="24292E"/>
+                </a:solidFill>
+                <a:effectLst/>
+                <a:latin typeface="Consolas" panose="020B0609020204030204" pitchFamily="49" charset="0"/>
+              </a:rPr>
+              <a:t> </a:t>
+            </a:r>
+            <a:r>
+              <a:rPr lang="fr-FR" b="0" dirty="0">
+                <a:solidFill>
+                  <a:srgbClr val="E36209"/>
+                </a:solidFill>
+                <a:effectLst/>
+                <a:latin typeface="Consolas" panose="020B0609020204030204" pitchFamily="49" charset="0"/>
+              </a:rPr>
+              <a:t>a</a:t>
+            </a:r>
+            <a:r>
+              <a:rPr lang="fr-FR" b="0" dirty="0">
+                <a:solidFill>
+                  <a:srgbClr val="24292E"/>
+                </a:solidFill>
+                <a:effectLst/>
+                <a:latin typeface="Consolas" panose="020B0609020204030204" pitchFamily="49" charset="0"/>
+              </a:rPr>
+              <a:t> </a:t>
+            </a:r>
+            <a:r>
+              <a:rPr lang="fr-FR" b="0" dirty="0">
+                <a:solidFill>
+                  <a:srgbClr val="D73A49"/>
+                </a:solidFill>
+                <a:effectLst/>
+                <a:latin typeface="Consolas" panose="020B0609020204030204" pitchFamily="49" charset="0"/>
+              </a:rPr>
+              <a:t>/</a:t>
+            </a:r>
+            <a:r>
+              <a:rPr lang="fr-FR" b="0" dirty="0">
+                <a:solidFill>
+                  <a:srgbClr val="24292E"/>
+                </a:solidFill>
+                <a:effectLst/>
+                <a:latin typeface="Consolas" panose="020B0609020204030204" pitchFamily="49" charset="0"/>
+              </a:rPr>
+              <a:t> </a:t>
+            </a:r>
+            <a:r>
+              <a:rPr lang="fr-FR" b="0" dirty="0">
+                <a:solidFill>
+                  <a:srgbClr val="E36209"/>
+                </a:solidFill>
+                <a:effectLst/>
+                <a:latin typeface="Consolas" panose="020B0609020204030204" pitchFamily="49" charset="0"/>
+              </a:rPr>
+              <a:t>b</a:t>
+            </a:r>
+            <a:r>
+              <a:rPr lang="fr-FR" b="0" dirty="0">
+                <a:solidFill>
+                  <a:srgbClr val="24292E"/>
+                </a:solidFill>
+                <a:effectLst/>
+                <a:latin typeface="Consolas" panose="020B0609020204030204" pitchFamily="49" charset="0"/>
+              </a:rPr>
+              <a:t>;</a:t>
+            </a:r>
+          </a:p>
+          <a:p>
+            <a:pPr marL="0" indent="0">
+              <a:buNone/>
+            </a:pPr>
+            <a:r>
+              <a:rPr lang="fr-FR" b="0" dirty="0">
+                <a:solidFill>
+                  <a:srgbClr val="24292E"/>
+                </a:solidFill>
+                <a:effectLst/>
+                <a:latin typeface="Consolas" panose="020B0609020204030204" pitchFamily="49" charset="0"/>
+              </a:rPr>
+              <a:t>}</a:t>
+            </a:r>
+          </a:p>
+          <a:p>
+            <a:pPr marL="0" indent="0">
+              <a:buNone/>
+            </a:pPr>
+            <a:r>
+              <a:rPr lang="fr-FR" b="0" dirty="0">
+                <a:solidFill>
+                  <a:srgbClr val="24292E"/>
+                </a:solidFill>
+                <a:effectLst/>
+                <a:latin typeface="Consolas" panose="020B0609020204030204" pitchFamily="49" charset="0"/>
+              </a:rPr>
+              <a:t> </a:t>
+            </a:r>
+          </a:p>
+          <a:p>
+            <a:pPr marL="0" indent="0">
+              <a:buNone/>
+            </a:pPr>
+            <a:r>
+              <a:rPr lang="fr-FR" b="0" dirty="0" err="1">
+                <a:solidFill>
+                  <a:srgbClr val="D73A49"/>
+                </a:solidFill>
+                <a:effectLst/>
+                <a:latin typeface="Consolas" panose="020B0609020204030204" pitchFamily="49" charset="0"/>
+              </a:rPr>
+              <a:t>int</a:t>
+            </a:r>
+            <a:r>
+              <a:rPr lang="fr-FR" b="0" dirty="0">
+                <a:solidFill>
+                  <a:srgbClr val="24292E"/>
+                </a:solidFill>
+                <a:effectLst/>
+                <a:latin typeface="Consolas" panose="020B0609020204030204" pitchFamily="49" charset="0"/>
+              </a:rPr>
+              <a:t> </a:t>
+            </a:r>
+            <a:r>
+              <a:rPr lang="fr-FR" b="0" dirty="0">
+                <a:solidFill>
+                  <a:srgbClr val="6F42C1"/>
+                </a:solidFill>
+                <a:effectLst/>
+                <a:latin typeface="Consolas" panose="020B0609020204030204" pitchFamily="49" charset="0"/>
+              </a:rPr>
+              <a:t>main</a:t>
+            </a:r>
+            <a:r>
+              <a:rPr lang="fr-FR" b="0" dirty="0">
+                <a:solidFill>
+                  <a:srgbClr val="24292E"/>
+                </a:solidFill>
+                <a:effectLst/>
+                <a:latin typeface="Consolas" panose="020B0609020204030204" pitchFamily="49" charset="0"/>
+              </a:rPr>
+              <a:t>()</a:t>
+            </a:r>
+          </a:p>
+          <a:p>
+            <a:pPr marL="0" indent="0">
+              <a:buNone/>
+            </a:pPr>
+            <a:r>
+              <a:rPr lang="fr-FR" b="0" dirty="0">
+                <a:solidFill>
+                  <a:srgbClr val="24292E"/>
+                </a:solidFill>
+                <a:effectLst/>
+                <a:latin typeface="Consolas" panose="020B0609020204030204" pitchFamily="49" charset="0"/>
+              </a:rPr>
+              <a:t>{</a:t>
+            </a:r>
+          </a:p>
+          <a:p>
+            <a:pPr marL="0" indent="0">
+              <a:buNone/>
+            </a:pPr>
+            <a:r>
+              <a:rPr lang="fr-FR" b="0" dirty="0">
+                <a:solidFill>
+                  <a:srgbClr val="24292E"/>
+                </a:solidFill>
+                <a:effectLst/>
+                <a:latin typeface="Consolas" panose="020B0609020204030204" pitchFamily="49" charset="0"/>
+              </a:rPr>
+              <a:t>    </a:t>
+            </a:r>
+            <a:r>
+              <a:rPr lang="fr-FR" b="0" dirty="0" err="1">
+                <a:solidFill>
+                  <a:srgbClr val="D73A49"/>
+                </a:solidFill>
+                <a:effectLst/>
+                <a:latin typeface="Consolas" panose="020B0609020204030204" pitchFamily="49" charset="0"/>
+              </a:rPr>
+              <a:t>int</a:t>
+            </a:r>
+            <a:r>
+              <a:rPr lang="fr-FR" b="0" dirty="0">
+                <a:solidFill>
+                  <a:srgbClr val="24292E"/>
+                </a:solidFill>
+                <a:effectLst/>
+                <a:latin typeface="Consolas" panose="020B0609020204030204" pitchFamily="49" charset="0"/>
+              </a:rPr>
+              <a:t> a </a:t>
+            </a:r>
+            <a:r>
+              <a:rPr lang="fr-FR" b="0" dirty="0">
+                <a:solidFill>
+                  <a:srgbClr val="D73A49"/>
+                </a:solidFill>
+                <a:effectLst/>
+                <a:latin typeface="Consolas" panose="020B0609020204030204" pitchFamily="49" charset="0"/>
+              </a:rPr>
+              <a:t>=</a:t>
+            </a:r>
+            <a:r>
+              <a:rPr lang="fr-FR" b="0" dirty="0">
+                <a:solidFill>
+                  <a:srgbClr val="24292E"/>
+                </a:solidFill>
+                <a:effectLst/>
+                <a:latin typeface="Consolas" panose="020B0609020204030204" pitchFamily="49" charset="0"/>
+              </a:rPr>
+              <a:t> </a:t>
+            </a:r>
+            <a:r>
+              <a:rPr lang="fr-FR" b="0" dirty="0">
+                <a:solidFill>
+                  <a:srgbClr val="005CC5"/>
+                </a:solidFill>
+                <a:effectLst/>
+                <a:latin typeface="Consolas" panose="020B0609020204030204" pitchFamily="49" charset="0"/>
+              </a:rPr>
+              <a:t>12</a:t>
+            </a:r>
+            <a:r>
+              <a:rPr lang="fr-FR" b="0" dirty="0">
+                <a:solidFill>
+                  <a:srgbClr val="24292E"/>
+                </a:solidFill>
+                <a:effectLst/>
+                <a:latin typeface="Consolas" panose="020B0609020204030204" pitchFamily="49" charset="0"/>
+              </a:rPr>
+              <a:t>, b </a:t>
+            </a:r>
+            <a:r>
+              <a:rPr lang="fr-FR" b="0" dirty="0">
+                <a:solidFill>
+                  <a:srgbClr val="D73A49"/>
+                </a:solidFill>
+                <a:effectLst/>
+                <a:latin typeface="Consolas" panose="020B0609020204030204" pitchFamily="49" charset="0"/>
+              </a:rPr>
+              <a:t>=</a:t>
+            </a:r>
+            <a:r>
+              <a:rPr lang="fr-FR" b="0" dirty="0">
+                <a:solidFill>
+                  <a:srgbClr val="24292E"/>
+                </a:solidFill>
+                <a:effectLst/>
+                <a:latin typeface="Consolas" panose="020B0609020204030204" pitchFamily="49" charset="0"/>
+              </a:rPr>
+              <a:t> </a:t>
+            </a:r>
+            <a:r>
+              <a:rPr lang="fr-FR" b="0" dirty="0">
+                <a:solidFill>
+                  <a:srgbClr val="005CC5"/>
+                </a:solidFill>
+                <a:effectLst/>
+                <a:latin typeface="Consolas" panose="020B0609020204030204" pitchFamily="49" charset="0"/>
+              </a:rPr>
+              <a:t>4</a:t>
+            </a:r>
+            <a:r>
+              <a:rPr lang="fr-FR" b="0" dirty="0">
+                <a:solidFill>
+                  <a:srgbClr val="24292E"/>
+                </a:solidFill>
+                <a:effectLst/>
+                <a:latin typeface="Consolas" panose="020B0609020204030204" pitchFamily="49" charset="0"/>
+              </a:rPr>
+              <a:t>, c </a:t>
+            </a:r>
+            <a:r>
+              <a:rPr lang="fr-FR" b="0" dirty="0">
+                <a:solidFill>
+                  <a:srgbClr val="D73A49"/>
+                </a:solidFill>
+                <a:effectLst/>
+                <a:latin typeface="Consolas" panose="020B0609020204030204" pitchFamily="49" charset="0"/>
+              </a:rPr>
+              <a:t>=</a:t>
+            </a:r>
+            <a:r>
+              <a:rPr lang="fr-FR" b="0" dirty="0">
+                <a:solidFill>
+                  <a:srgbClr val="24292E"/>
+                </a:solidFill>
+                <a:effectLst/>
+                <a:latin typeface="Consolas" panose="020B0609020204030204" pitchFamily="49" charset="0"/>
+              </a:rPr>
+              <a:t> </a:t>
+            </a:r>
+            <a:r>
+              <a:rPr lang="fr-FR" b="0" dirty="0">
+                <a:solidFill>
+                  <a:srgbClr val="005CC5"/>
+                </a:solidFill>
+                <a:effectLst/>
+                <a:latin typeface="Consolas" panose="020B0609020204030204" pitchFamily="49" charset="0"/>
+              </a:rPr>
+              <a:t>0</a:t>
+            </a:r>
+            <a:r>
+              <a:rPr lang="fr-FR" b="0" dirty="0">
+                <a:solidFill>
+                  <a:srgbClr val="24292E"/>
+                </a:solidFill>
+                <a:effectLst/>
+                <a:latin typeface="Consolas" panose="020B0609020204030204" pitchFamily="49" charset="0"/>
+              </a:rPr>
+              <a:t>;</a:t>
+            </a:r>
+          </a:p>
+          <a:p>
+            <a:pPr marL="0" indent="0">
+              <a:buNone/>
+            </a:pPr>
+            <a:r>
+              <a:rPr lang="fr-FR" b="0" dirty="0">
+                <a:solidFill>
+                  <a:srgbClr val="24292E"/>
+                </a:solidFill>
+                <a:effectLst/>
+                <a:latin typeface="Consolas" panose="020B0609020204030204" pitchFamily="49" charset="0"/>
+              </a:rPr>
+              <a:t>    </a:t>
+            </a:r>
+            <a:r>
+              <a:rPr lang="fr-FR" b="0" dirty="0" err="1">
+                <a:solidFill>
+                  <a:srgbClr val="D73A49"/>
+                </a:solidFill>
+                <a:effectLst/>
+                <a:latin typeface="Consolas" panose="020B0609020204030204" pitchFamily="49" charset="0"/>
+              </a:rPr>
+              <a:t>try</a:t>
+            </a:r>
+            <a:r>
+              <a:rPr lang="fr-FR" b="0" dirty="0">
+                <a:solidFill>
+                  <a:srgbClr val="24292E"/>
+                </a:solidFill>
+                <a:effectLst/>
+                <a:latin typeface="Consolas" panose="020B0609020204030204" pitchFamily="49" charset="0"/>
+              </a:rPr>
+              <a:t> {</a:t>
+            </a:r>
+          </a:p>
+          <a:p>
+            <a:pPr marL="0" indent="0">
+              <a:buNone/>
+            </a:pPr>
+            <a:r>
+              <a:rPr lang="fr-FR" b="0" dirty="0">
+                <a:solidFill>
+                  <a:srgbClr val="24292E"/>
+                </a:solidFill>
+                <a:effectLst/>
+                <a:latin typeface="Consolas" panose="020B0609020204030204" pitchFamily="49" charset="0"/>
+              </a:rPr>
+              <a:t>        cout </a:t>
+            </a:r>
+            <a:r>
+              <a:rPr lang="fr-FR" b="0" dirty="0">
+                <a:solidFill>
+                  <a:srgbClr val="6F42C1"/>
+                </a:solidFill>
+                <a:effectLst/>
+                <a:latin typeface="Consolas" panose="020B0609020204030204" pitchFamily="49" charset="0"/>
+              </a:rPr>
+              <a:t>&lt;&lt;</a:t>
+            </a:r>
+            <a:r>
+              <a:rPr lang="fr-FR" b="0" dirty="0">
+                <a:solidFill>
+                  <a:srgbClr val="24292E"/>
+                </a:solidFill>
+                <a:effectLst/>
+                <a:latin typeface="Consolas" panose="020B0609020204030204" pitchFamily="49" charset="0"/>
+              </a:rPr>
+              <a:t> </a:t>
+            </a:r>
+            <a:r>
+              <a:rPr lang="fr-FR" b="0" dirty="0">
+                <a:solidFill>
+                  <a:srgbClr val="6F42C1"/>
+                </a:solidFill>
+                <a:effectLst/>
+                <a:latin typeface="Consolas" panose="020B0609020204030204" pitchFamily="49" charset="0"/>
+              </a:rPr>
+              <a:t>division</a:t>
+            </a:r>
+            <a:r>
+              <a:rPr lang="fr-FR" b="0" dirty="0">
+                <a:solidFill>
+                  <a:srgbClr val="24292E"/>
+                </a:solidFill>
+                <a:effectLst/>
+                <a:latin typeface="Consolas" panose="020B0609020204030204" pitchFamily="49" charset="0"/>
+              </a:rPr>
+              <a:t>(a, b) </a:t>
+            </a:r>
+            <a:r>
+              <a:rPr lang="fr-FR" b="0" dirty="0">
+                <a:solidFill>
+                  <a:srgbClr val="6F42C1"/>
+                </a:solidFill>
+                <a:effectLst/>
+                <a:latin typeface="Consolas" panose="020B0609020204030204" pitchFamily="49" charset="0"/>
+              </a:rPr>
+              <a:t>&lt;&lt;</a:t>
+            </a:r>
+            <a:r>
+              <a:rPr lang="fr-FR" b="0" dirty="0">
+                <a:solidFill>
+                  <a:srgbClr val="24292E"/>
+                </a:solidFill>
+                <a:effectLst/>
+                <a:latin typeface="Consolas" panose="020B0609020204030204" pitchFamily="49" charset="0"/>
+              </a:rPr>
+              <a:t> </a:t>
+            </a:r>
+            <a:r>
+              <a:rPr lang="fr-FR" b="0" dirty="0" err="1">
+                <a:solidFill>
+                  <a:srgbClr val="6F42C1"/>
+                </a:solidFill>
+                <a:effectLst/>
+                <a:latin typeface="Consolas" panose="020B0609020204030204" pitchFamily="49" charset="0"/>
+              </a:rPr>
+              <a:t>endl</a:t>
+            </a:r>
+            <a:r>
+              <a:rPr lang="fr-FR" b="0" dirty="0">
+                <a:solidFill>
+                  <a:srgbClr val="24292E"/>
+                </a:solidFill>
+                <a:effectLst/>
+                <a:latin typeface="Consolas" panose="020B0609020204030204" pitchFamily="49" charset="0"/>
+              </a:rPr>
+              <a:t>;</a:t>
+            </a:r>
+          </a:p>
+          <a:p>
+            <a:pPr marL="0" indent="0">
+              <a:buNone/>
+            </a:pPr>
+            <a:r>
+              <a:rPr lang="fr-FR" b="0" dirty="0">
+                <a:solidFill>
+                  <a:srgbClr val="24292E"/>
+                </a:solidFill>
+                <a:effectLst/>
+                <a:latin typeface="Consolas" panose="020B0609020204030204" pitchFamily="49" charset="0"/>
+              </a:rPr>
+              <a:t>        cout </a:t>
+            </a:r>
+            <a:r>
+              <a:rPr lang="fr-FR" b="0" dirty="0">
+                <a:solidFill>
+                  <a:srgbClr val="6F42C1"/>
+                </a:solidFill>
+                <a:effectLst/>
+                <a:latin typeface="Consolas" panose="020B0609020204030204" pitchFamily="49" charset="0"/>
+              </a:rPr>
+              <a:t>&lt;&lt;</a:t>
+            </a:r>
+            <a:r>
+              <a:rPr lang="fr-FR" b="0" dirty="0">
+                <a:solidFill>
+                  <a:srgbClr val="24292E"/>
+                </a:solidFill>
+                <a:effectLst/>
+                <a:latin typeface="Consolas" panose="020B0609020204030204" pitchFamily="49" charset="0"/>
+              </a:rPr>
+              <a:t> </a:t>
+            </a:r>
+            <a:r>
+              <a:rPr lang="fr-FR" b="0" dirty="0">
+                <a:solidFill>
+                  <a:srgbClr val="6F42C1"/>
+                </a:solidFill>
+                <a:effectLst/>
+                <a:latin typeface="Consolas" panose="020B0609020204030204" pitchFamily="49" charset="0"/>
+              </a:rPr>
+              <a:t>division</a:t>
+            </a:r>
+            <a:r>
+              <a:rPr lang="fr-FR" b="0" dirty="0">
+                <a:solidFill>
+                  <a:srgbClr val="24292E"/>
+                </a:solidFill>
+                <a:effectLst/>
+                <a:latin typeface="Consolas" panose="020B0609020204030204" pitchFamily="49" charset="0"/>
+              </a:rPr>
+              <a:t>(a, c) </a:t>
+            </a:r>
+            <a:r>
+              <a:rPr lang="fr-FR" b="0" dirty="0">
+                <a:solidFill>
+                  <a:srgbClr val="6F42C1"/>
+                </a:solidFill>
+                <a:effectLst/>
+                <a:latin typeface="Consolas" panose="020B0609020204030204" pitchFamily="49" charset="0"/>
+              </a:rPr>
+              <a:t>&lt;&lt;</a:t>
+            </a:r>
+            <a:r>
+              <a:rPr lang="fr-FR" b="0" dirty="0">
+                <a:solidFill>
+                  <a:srgbClr val="24292E"/>
+                </a:solidFill>
+                <a:effectLst/>
+                <a:latin typeface="Consolas" panose="020B0609020204030204" pitchFamily="49" charset="0"/>
+              </a:rPr>
+              <a:t> </a:t>
+            </a:r>
+            <a:r>
+              <a:rPr lang="fr-FR" b="0" dirty="0" err="1">
+                <a:solidFill>
+                  <a:srgbClr val="6F42C1"/>
+                </a:solidFill>
+                <a:effectLst/>
+                <a:latin typeface="Consolas" panose="020B0609020204030204" pitchFamily="49" charset="0"/>
+              </a:rPr>
+              <a:t>endl</a:t>
+            </a:r>
+            <a:r>
+              <a:rPr lang="fr-FR" b="0" dirty="0">
+                <a:solidFill>
+                  <a:srgbClr val="24292E"/>
+                </a:solidFill>
+                <a:effectLst/>
+                <a:latin typeface="Consolas" panose="020B0609020204030204" pitchFamily="49" charset="0"/>
+              </a:rPr>
+              <a:t>;</a:t>
+            </a:r>
+          </a:p>
+          <a:p>
+            <a:pPr marL="0" indent="0">
+              <a:buNone/>
+            </a:pPr>
+            <a:r>
+              <a:rPr lang="fr-FR" b="0" dirty="0">
+                <a:solidFill>
+                  <a:srgbClr val="24292E"/>
+                </a:solidFill>
+                <a:effectLst/>
+                <a:latin typeface="Consolas" panose="020B0609020204030204" pitchFamily="49" charset="0"/>
+              </a:rPr>
+              <a:t>    }</a:t>
+            </a:r>
+          </a:p>
+          <a:p>
+            <a:pPr marL="0" indent="0">
+              <a:buNone/>
+            </a:pPr>
+            <a:r>
+              <a:rPr lang="fr-FR" b="0" dirty="0">
+                <a:solidFill>
+                  <a:srgbClr val="6A737D"/>
+                </a:solidFill>
+                <a:effectLst/>
+                <a:latin typeface="Consolas" panose="020B0609020204030204" pitchFamily="49" charset="0"/>
+              </a:rPr>
+              <a:t>    // Toutes les exceptions dérivées de la classe exception</a:t>
+            </a:r>
+            <a:endParaRPr lang="fr-FR" b="0" dirty="0">
+              <a:solidFill>
+                <a:srgbClr val="24292E"/>
+              </a:solidFill>
+              <a:effectLst/>
+              <a:latin typeface="Consolas" panose="020B0609020204030204" pitchFamily="49" charset="0"/>
+            </a:endParaRPr>
+          </a:p>
+          <a:p>
+            <a:pPr marL="0" indent="0">
+              <a:buNone/>
+            </a:pPr>
+            <a:r>
+              <a:rPr lang="fr-FR" b="0" dirty="0">
+                <a:solidFill>
+                  <a:srgbClr val="24292E"/>
+                </a:solidFill>
+                <a:effectLst/>
+                <a:latin typeface="Consolas" panose="020B0609020204030204" pitchFamily="49" charset="0"/>
+              </a:rPr>
+              <a:t>    </a:t>
+            </a:r>
+            <a:r>
+              <a:rPr lang="fr-FR" b="0" dirty="0">
+                <a:solidFill>
+                  <a:srgbClr val="D73A49"/>
+                </a:solidFill>
+                <a:effectLst/>
+                <a:latin typeface="Consolas" panose="020B0609020204030204" pitchFamily="49" charset="0"/>
+              </a:rPr>
+              <a:t>catch</a:t>
+            </a:r>
+            <a:r>
+              <a:rPr lang="fr-FR" b="0" dirty="0">
+                <a:solidFill>
+                  <a:srgbClr val="24292E"/>
+                </a:solidFill>
+                <a:effectLst/>
+                <a:latin typeface="Consolas" panose="020B0609020204030204" pitchFamily="49" charset="0"/>
+              </a:rPr>
+              <a:t>(</a:t>
+            </a:r>
+            <a:r>
+              <a:rPr lang="fr-FR" b="0" dirty="0">
+                <a:solidFill>
+                  <a:srgbClr val="6F42C1"/>
+                </a:solidFill>
+                <a:effectLst/>
+                <a:latin typeface="Consolas" panose="020B0609020204030204" pitchFamily="49" charset="0"/>
+              </a:rPr>
+              <a:t>exception</a:t>
+            </a:r>
+            <a:r>
+              <a:rPr lang="fr-FR" b="0" dirty="0">
+                <a:solidFill>
+                  <a:srgbClr val="24292E"/>
+                </a:solidFill>
+                <a:effectLst/>
+                <a:latin typeface="Consolas" panose="020B0609020204030204" pitchFamily="49" charset="0"/>
+              </a:rPr>
+              <a:t> </a:t>
+            </a:r>
+            <a:r>
+              <a:rPr lang="fr-FR" b="0" dirty="0" err="1">
+                <a:solidFill>
+                  <a:srgbClr val="D73A49"/>
+                </a:solidFill>
+                <a:effectLst/>
+                <a:latin typeface="Consolas" panose="020B0609020204030204" pitchFamily="49" charset="0"/>
+              </a:rPr>
+              <a:t>const</a:t>
+            </a:r>
+            <a:r>
+              <a:rPr lang="fr-FR" b="0" dirty="0">
+                <a:solidFill>
+                  <a:srgbClr val="D73A49"/>
+                </a:solidFill>
+                <a:effectLst/>
+                <a:latin typeface="Consolas" panose="020B0609020204030204" pitchFamily="49" charset="0"/>
+              </a:rPr>
+              <a:t>&amp;</a:t>
+            </a:r>
+            <a:r>
+              <a:rPr lang="fr-FR" b="0" dirty="0">
+                <a:solidFill>
+                  <a:srgbClr val="24292E"/>
+                </a:solidFill>
+                <a:effectLst/>
+                <a:latin typeface="Consolas" panose="020B0609020204030204" pitchFamily="49" charset="0"/>
+              </a:rPr>
+              <a:t> e) { </a:t>
+            </a:r>
+          </a:p>
+          <a:p>
+            <a:pPr marL="0" indent="0">
+              <a:buNone/>
+            </a:pPr>
+            <a:r>
+              <a:rPr lang="fr-FR" b="0" dirty="0">
+                <a:solidFill>
+                  <a:srgbClr val="6A737D"/>
+                </a:solidFill>
+                <a:effectLst/>
+                <a:latin typeface="Consolas" panose="020B0609020204030204" pitchFamily="49" charset="0"/>
+              </a:rPr>
+              <a:t>    // ou seulement les "</a:t>
+            </a:r>
+            <a:r>
+              <a:rPr lang="fr-FR" b="0" dirty="0" err="1">
+                <a:solidFill>
+                  <a:srgbClr val="6A737D"/>
+                </a:solidFill>
+                <a:effectLst/>
+                <a:latin typeface="Consolas" panose="020B0609020204030204" pitchFamily="49" charset="0"/>
+              </a:rPr>
+              <a:t>Error</a:t>
+            </a:r>
+            <a:r>
+              <a:rPr lang="fr-FR" b="0" dirty="0">
+                <a:solidFill>
+                  <a:srgbClr val="6A737D"/>
+                </a:solidFill>
+                <a:effectLst/>
+                <a:latin typeface="Consolas" panose="020B0609020204030204" pitchFamily="49" charset="0"/>
+              </a:rPr>
+              <a:t>"</a:t>
+            </a:r>
+            <a:endParaRPr lang="fr-FR" b="0" dirty="0">
+              <a:solidFill>
+                <a:srgbClr val="24292E"/>
+              </a:solidFill>
+              <a:effectLst/>
+              <a:latin typeface="Consolas" panose="020B0609020204030204" pitchFamily="49" charset="0"/>
+            </a:endParaRPr>
+          </a:p>
+          <a:p>
+            <a:pPr marL="0" indent="0">
+              <a:buNone/>
+            </a:pPr>
+            <a:r>
+              <a:rPr lang="fr-FR" b="0" dirty="0">
+                <a:solidFill>
+                  <a:srgbClr val="6A737D"/>
+                </a:solidFill>
+                <a:effectLst/>
+                <a:latin typeface="Consolas" panose="020B0609020204030204" pitchFamily="49" charset="0"/>
+              </a:rPr>
+              <a:t>    // catch(</a:t>
+            </a:r>
+            <a:r>
+              <a:rPr lang="fr-FR" b="0" dirty="0" err="1">
+                <a:solidFill>
+                  <a:srgbClr val="6A737D"/>
+                </a:solidFill>
+                <a:effectLst/>
+                <a:latin typeface="Consolas" panose="020B0609020204030204" pitchFamily="49" charset="0"/>
+              </a:rPr>
+              <a:t>Error</a:t>
+            </a:r>
+            <a:r>
+              <a:rPr lang="fr-FR" b="0" dirty="0">
+                <a:solidFill>
+                  <a:srgbClr val="6A737D"/>
+                </a:solidFill>
+                <a:effectLst/>
+                <a:latin typeface="Consolas" panose="020B0609020204030204" pitchFamily="49" charset="0"/>
+              </a:rPr>
+              <a:t> e) {</a:t>
+            </a:r>
+            <a:endParaRPr lang="fr-FR" b="0" dirty="0">
+              <a:solidFill>
+                <a:srgbClr val="24292E"/>
+              </a:solidFill>
+              <a:effectLst/>
+              <a:latin typeface="Consolas" panose="020B0609020204030204" pitchFamily="49" charset="0"/>
+            </a:endParaRPr>
+          </a:p>
+          <a:p>
+            <a:pPr marL="0" indent="0">
+              <a:buNone/>
+            </a:pPr>
+            <a:r>
+              <a:rPr lang="fr-FR" b="0" dirty="0">
+                <a:solidFill>
+                  <a:srgbClr val="24292E"/>
+                </a:solidFill>
+                <a:effectLst/>
+                <a:latin typeface="Consolas" panose="020B0609020204030204" pitchFamily="49" charset="0"/>
+              </a:rPr>
+              <a:t>        </a:t>
+            </a:r>
+            <a:r>
+              <a:rPr lang="fr-FR" b="0" dirty="0" err="1">
+                <a:solidFill>
+                  <a:srgbClr val="24292E"/>
+                </a:solidFill>
+                <a:effectLst/>
+                <a:latin typeface="Consolas" panose="020B0609020204030204" pitchFamily="49" charset="0"/>
+              </a:rPr>
+              <a:t>cerr</a:t>
+            </a:r>
+            <a:r>
+              <a:rPr lang="fr-FR" b="0" dirty="0">
+                <a:solidFill>
+                  <a:srgbClr val="24292E"/>
+                </a:solidFill>
+                <a:effectLst/>
+                <a:latin typeface="Consolas" panose="020B0609020204030204" pitchFamily="49" charset="0"/>
+              </a:rPr>
+              <a:t> </a:t>
+            </a:r>
+            <a:r>
+              <a:rPr lang="fr-FR" b="0" dirty="0">
+                <a:solidFill>
+                  <a:srgbClr val="6F42C1"/>
+                </a:solidFill>
+                <a:effectLst/>
+                <a:latin typeface="Consolas" panose="020B0609020204030204" pitchFamily="49" charset="0"/>
+              </a:rPr>
+              <a:t>&lt;&lt;</a:t>
+            </a:r>
+            <a:r>
+              <a:rPr lang="fr-FR" b="0" dirty="0">
+                <a:solidFill>
+                  <a:srgbClr val="24292E"/>
+                </a:solidFill>
+                <a:effectLst/>
+                <a:latin typeface="Consolas" panose="020B0609020204030204" pitchFamily="49" charset="0"/>
+              </a:rPr>
+              <a:t> </a:t>
+            </a:r>
+            <a:r>
+              <a:rPr lang="fr-FR" b="0" dirty="0">
+                <a:solidFill>
+                  <a:srgbClr val="032F62"/>
+                </a:solidFill>
+                <a:effectLst/>
+                <a:latin typeface="Consolas" panose="020B0609020204030204" pitchFamily="49" charset="0"/>
+              </a:rPr>
+              <a:t>"ERREUR : "</a:t>
+            </a:r>
+            <a:r>
+              <a:rPr lang="fr-FR" b="0" dirty="0">
+                <a:solidFill>
+                  <a:srgbClr val="24292E"/>
+                </a:solidFill>
+                <a:effectLst/>
+                <a:latin typeface="Consolas" panose="020B0609020204030204" pitchFamily="49" charset="0"/>
+              </a:rPr>
+              <a:t> </a:t>
+            </a:r>
+            <a:r>
+              <a:rPr lang="fr-FR" b="0" dirty="0">
+                <a:solidFill>
+                  <a:srgbClr val="6F42C1"/>
+                </a:solidFill>
+                <a:effectLst/>
+                <a:latin typeface="Consolas" panose="020B0609020204030204" pitchFamily="49" charset="0"/>
+              </a:rPr>
+              <a:t>&lt;&lt;</a:t>
+            </a:r>
+            <a:r>
+              <a:rPr lang="fr-FR" b="0" dirty="0">
+                <a:solidFill>
+                  <a:srgbClr val="24292E"/>
+                </a:solidFill>
+                <a:effectLst/>
+                <a:latin typeface="Consolas" panose="020B0609020204030204" pitchFamily="49" charset="0"/>
+              </a:rPr>
+              <a:t> </a:t>
+            </a:r>
+            <a:r>
+              <a:rPr lang="fr-FR" b="0" dirty="0" err="1">
+                <a:solidFill>
+                  <a:srgbClr val="24292E"/>
+                </a:solidFill>
+                <a:effectLst/>
+                <a:latin typeface="Consolas" panose="020B0609020204030204" pitchFamily="49" charset="0"/>
+              </a:rPr>
+              <a:t>e.</a:t>
+            </a:r>
+            <a:r>
+              <a:rPr lang="fr-FR" b="0" dirty="0" err="1">
+                <a:solidFill>
+                  <a:srgbClr val="6F42C1"/>
+                </a:solidFill>
+                <a:effectLst/>
+                <a:latin typeface="Consolas" panose="020B0609020204030204" pitchFamily="49" charset="0"/>
+              </a:rPr>
+              <a:t>what</a:t>
+            </a:r>
+            <a:r>
+              <a:rPr lang="fr-FR" b="0" dirty="0">
+                <a:solidFill>
+                  <a:srgbClr val="24292E"/>
+                </a:solidFill>
+                <a:effectLst/>
+                <a:latin typeface="Consolas" panose="020B0609020204030204" pitchFamily="49" charset="0"/>
+              </a:rPr>
+              <a:t>() </a:t>
+            </a:r>
+            <a:r>
+              <a:rPr lang="fr-FR" b="0" dirty="0">
+                <a:solidFill>
+                  <a:srgbClr val="6F42C1"/>
+                </a:solidFill>
+                <a:effectLst/>
+                <a:latin typeface="Consolas" panose="020B0609020204030204" pitchFamily="49" charset="0"/>
+              </a:rPr>
+              <a:t>&lt;&lt;</a:t>
+            </a:r>
+            <a:r>
+              <a:rPr lang="fr-FR" b="0" dirty="0">
+                <a:solidFill>
+                  <a:srgbClr val="24292E"/>
+                </a:solidFill>
+                <a:effectLst/>
+                <a:latin typeface="Consolas" panose="020B0609020204030204" pitchFamily="49" charset="0"/>
+              </a:rPr>
+              <a:t> </a:t>
+            </a:r>
+            <a:r>
+              <a:rPr lang="fr-FR" b="0" dirty="0" err="1">
+                <a:solidFill>
+                  <a:srgbClr val="6F42C1"/>
+                </a:solidFill>
+                <a:effectLst/>
+                <a:latin typeface="Consolas" panose="020B0609020204030204" pitchFamily="49" charset="0"/>
+              </a:rPr>
+              <a:t>endl</a:t>
+            </a:r>
+            <a:r>
+              <a:rPr lang="fr-FR" b="0" dirty="0">
+                <a:solidFill>
+                  <a:srgbClr val="24292E"/>
+                </a:solidFill>
+                <a:effectLst/>
+                <a:latin typeface="Consolas" panose="020B0609020204030204" pitchFamily="49" charset="0"/>
+              </a:rPr>
+              <a:t>;</a:t>
+            </a:r>
+          </a:p>
+          <a:p>
+            <a:pPr marL="0" indent="0">
+              <a:buNone/>
+            </a:pPr>
+            <a:r>
+              <a:rPr lang="fr-FR" b="0" dirty="0">
+                <a:solidFill>
+                  <a:srgbClr val="24292E"/>
+                </a:solidFill>
+                <a:effectLst/>
+                <a:latin typeface="Consolas" panose="020B0609020204030204" pitchFamily="49" charset="0"/>
+              </a:rPr>
+              <a:t>    }</a:t>
+            </a:r>
+          </a:p>
+          <a:p>
+            <a:pPr marL="0" indent="0">
+              <a:buNone/>
+            </a:pPr>
+            <a:br>
+              <a:rPr lang="fr-FR" b="0" dirty="0">
+                <a:solidFill>
+                  <a:srgbClr val="24292E"/>
+                </a:solidFill>
+                <a:effectLst/>
+                <a:latin typeface="Consolas" panose="020B0609020204030204" pitchFamily="49" charset="0"/>
+              </a:rPr>
+            </a:br>
+            <a:r>
+              <a:rPr lang="fr-FR" b="0" dirty="0">
+                <a:solidFill>
+                  <a:srgbClr val="24292E"/>
+                </a:solidFill>
+                <a:effectLst/>
+                <a:latin typeface="Consolas" panose="020B0609020204030204" pitchFamily="49" charset="0"/>
+              </a:rPr>
+              <a:t>    </a:t>
+            </a:r>
+            <a:r>
+              <a:rPr lang="fr-FR" b="0" dirty="0">
+                <a:solidFill>
+                  <a:srgbClr val="D73A49"/>
+                </a:solidFill>
+                <a:effectLst/>
+                <a:latin typeface="Consolas" panose="020B0609020204030204" pitchFamily="49" charset="0"/>
+              </a:rPr>
+              <a:t>return</a:t>
+            </a:r>
+            <a:r>
+              <a:rPr lang="fr-FR" b="0" dirty="0">
+                <a:solidFill>
+                  <a:srgbClr val="24292E"/>
+                </a:solidFill>
+                <a:effectLst/>
+                <a:latin typeface="Consolas" panose="020B0609020204030204" pitchFamily="49" charset="0"/>
+              </a:rPr>
+              <a:t> </a:t>
+            </a:r>
+            <a:r>
+              <a:rPr lang="fr-FR" b="0" dirty="0">
+                <a:solidFill>
+                  <a:srgbClr val="005CC5"/>
+                </a:solidFill>
+                <a:effectLst/>
+                <a:latin typeface="Consolas" panose="020B0609020204030204" pitchFamily="49" charset="0"/>
+              </a:rPr>
+              <a:t>0</a:t>
+            </a:r>
+            <a:r>
+              <a:rPr lang="fr-FR" b="0" dirty="0">
+                <a:solidFill>
+                  <a:srgbClr val="24292E"/>
+                </a:solidFill>
+                <a:effectLst/>
+                <a:latin typeface="Consolas" panose="020B0609020204030204" pitchFamily="49" charset="0"/>
+              </a:rPr>
+              <a:t>;</a:t>
+            </a:r>
+          </a:p>
+          <a:p>
+            <a:pPr marL="0" indent="0">
+              <a:buNone/>
+            </a:pPr>
+            <a:r>
+              <a:rPr lang="fr-FR" b="0" dirty="0">
+                <a:solidFill>
+                  <a:srgbClr val="24292E"/>
+                </a:solidFill>
+                <a:effectLst/>
+                <a:latin typeface="Consolas" panose="020B0609020204030204" pitchFamily="49" charset="0"/>
+              </a:rPr>
+              <a:t>}</a:t>
+            </a:r>
+          </a:p>
+        </p:txBody>
+      </p:sp>
+      <p:sp>
+        <p:nvSpPr>
+          <p:cNvPr id="5" name="Titre 3">
+            <a:extLst>
+              <a:ext uri="{FF2B5EF4-FFF2-40B4-BE49-F238E27FC236}">
+                <a16:creationId xmlns:a16="http://schemas.microsoft.com/office/drawing/2014/main" id="{8552151E-FF65-47AA-AC7C-2F604D250B1B}"/>
+              </a:ext>
+            </a:extLst>
+          </p:cNvPr>
+          <p:cNvSpPr>
+            <a:spLocks noGrp="1"/>
+          </p:cNvSpPr>
+          <p:nvPr>
+            <p:ph type="title"/>
+          </p:nvPr>
+        </p:nvSpPr>
+        <p:spPr>
+          <a:xfrm>
+            <a:off x="838200" y="365125"/>
+            <a:ext cx="10515600" cy="1325563"/>
+          </a:xfrm>
+        </p:spPr>
+        <p:txBody>
+          <a:bodyPr/>
+          <a:lstStyle/>
+          <a:p>
+            <a:pPr algn="r"/>
+            <a:r>
+              <a:rPr lang="fr-FR" dirty="0"/>
+              <a:t>Exemple d’utilisation</a:t>
+            </a:r>
+          </a:p>
+        </p:txBody>
+      </p:sp>
+      <p:sp>
+        <p:nvSpPr>
+          <p:cNvPr id="7" name="Forme libre : forme 6">
+            <a:extLst>
+              <a:ext uri="{FF2B5EF4-FFF2-40B4-BE49-F238E27FC236}">
+                <a16:creationId xmlns:a16="http://schemas.microsoft.com/office/drawing/2014/main" id="{E98CE55D-5E27-4BA4-AE78-A9DCCDAA3708}"/>
+              </a:ext>
+            </a:extLst>
+          </p:cNvPr>
+          <p:cNvSpPr/>
+          <p:nvPr/>
+        </p:nvSpPr>
+        <p:spPr>
+          <a:xfrm>
+            <a:off x="4553527" y="1551707"/>
+            <a:ext cx="5311037" cy="812991"/>
+          </a:xfrm>
+          <a:custGeom>
+            <a:avLst/>
+            <a:gdLst>
+              <a:gd name="connsiteX0" fmla="*/ 0 w 5311037"/>
+              <a:gd name="connsiteY0" fmla="*/ 0 h 812991"/>
+              <a:gd name="connsiteX1" fmla="*/ 858982 w 5311037"/>
+              <a:gd name="connsiteY1" fmla="*/ 812800 h 812991"/>
+              <a:gd name="connsiteX2" fmla="*/ 4922982 w 5311037"/>
+              <a:gd name="connsiteY2" fmla="*/ 83127 h 812991"/>
+              <a:gd name="connsiteX3" fmla="*/ 4913746 w 5311037"/>
+              <a:gd name="connsiteY3" fmla="*/ 83127 h 812991"/>
+            </a:gdLst>
+            <a:ahLst/>
+            <a:cxnLst>
+              <a:cxn ang="0">
+                <a:pos x="connsiteX0" y="connsiteY0"/>
+              </a:cxn>
+              <a:cxn ang="0">
+                <a:pos x="connsiteX1" y="connsiteY1"/>
+              </a:cxn>
+              <a:cxn ang="0">
+                <a:pos x="connsiteX2" y="connsiteY2"/>
+              </a:cxn>
+              <a:cxn ang="0">
+                <a:pos x="connsiteX3" y="connsiteY3"/>
+              </a:cxn>
+            </a:cxnLst>
+            <a:rect l="l" t="t" r="r" b="b"/>
+            <a:pathLst>
+              <a:path w="5311037" h="812991">
+                <a:moveTo>
+                  <a:pt x="0" y="0"/>
+                </a:moveTo>
+                <a:cubicBezTo>
+                  <a:pt x="19242" y="399473"/>
+                  <a:pt x="38485" y="798946"/>
+                  <a:pt x="858982" y="812800"/>
+                </a:cubicBezTo>
+                <a:cubicBezTo>
+                  <a:pt x="1679479" y="826655"/>
+                  <a:pt x="4922982" y="83127"/>
+                  <a:pt x="4922982" y="83127"/>
+                </a:cubicBezTo>
+                <a:cubicBezTo>
+                  <a:pt x="5598776" y="-38485"/>
+                  <a:pt x="5256261" y="22321"/>
+                  <a:pt x="4913746" y="83127"/>
+                </a:cubicBezTo>
+              </a:path>
+            </a:pathLst>
+          </a:custGeom>
+          <a:noFill/>
+          <a:ln w="38100">
+            <a:headEnd type="triangle" w="med" len="med"/>
+            <a:tailEnd type="none" w="med" len="med"/>
+          </a:ln>
+        </p:spPr>
+        <p:style>
+          <a:lnRef idx="2">
+            <a:schemeClr val="accent1">
+              <a:shade val="50000"/>
+            </a:schemeClr>
+          </a:lnRef>
+          <a:fillRef idx="1">
+            <a:schemeClr val="accent1"/>
+          </a:fillRef>
+          <a:effectRef idx="0">
+            <a:schemeClr val="accent1"/>
+          </a:effectRef>
+          <a:fontRef idx="minor">
+            <a:schemeClr val="lt1"/>
+          </a:fontRef>
+        </p:style>
+        <p:txBody>
+          <a:bodyPr rtlCol="0" anchor="ctr"/>
+          <a:lstStyle/>
+          <a:p>
+            <a:pPr algn="ctr"/>
+            <a:endParaRPr lang="fr-FR"/>
+          </a:p>
+        </p:txBody>
+      </p:sp>
+      <p:sp>
+        <p:nvSpPr>
+          <p:cNvPr id="8" name="Forme libre : forme 7">
+            <a:extLst>
+              <a:ext uri="{FF2B5EF4-FFF2-40B4-BE49-F238E27FC236}">
+                <a16:creationId xmlns:a16="http://schemas.microsoft.com/office/drawing/2014/main" id="{5B174B29-BE10-4B66-ACC2-C9DCB966296D}"/>
+              </a:ext>
+            </a:extLst>
+          </p:cNvPr>
+          <p:cNvSpPr/>
+          <p:nvPr/>
+        </p:nvSpPr>
+        <p:spPr>
+          <a:xfrm>
+            <a:off x="6132945" y="1551707"/>
+            <a:ext cx="3860800" cy="3943643"/>
+          </a:xfrm>
+          <a:custGeom>
+            <a:avLst/>
+            <a:gdLst>
+              <a:gd name="connsiteX0" fmla="*/ 0 w 3860800"/>
+              <a:gd name="connsiteY0" fmla="*/ 3703781 h 3943643"/>
+              <a:gd name="connsiteX1" fmla="*/ 2724728 w 3860800"/>
+              <a:gd name="connsiteY1" fmla="*/ 3546763 h 3943643"/>
+              <a:gd name="connsiteX2" fmla="*/ 3860800 w 3860800"/>
+              <a:gd name="connsiteY2" fmla="*/ 0 h 3943643"/>
+              <a:gd name="connsiteX3" fmla="*/ 3860800 w 3860800"/>
+              <a:gd name="connsiteY3" fmla="*/ 0 h 3943643"/>
+            </a:gdLst>
+            <a:ahLst/>
+            <a:cxnLst>
+              <a:cxn ang="0">
+                <a:pos x="connsiteX0" y="connsiteY0"/>
+              </a:cxn>
+              <a:cxn ang="0">
+                <a:pos x="connsiteX1" y="connsiteY1"/>
+              </a:cxn>
+              <a:cxn ang="0">
+                <a:pos x="connsiteX2" y="connsiteY2"/>
+              </a:cxn>
+              <a:cxn ang="0">
+                <a:pos x="connsiteX3" y="connsiteY3"/>
+              </a:cxn>
+            </a:cxnLst>
+            <a:rect l="l" t="t" r="r" b="b"/>
+            <a:pathLst>
+              <a:path w="3860800" h="3943643">
+                <a:moveTo>
+                  <a:pt x="0" y="3703781"/>
+                </a:moveTo>
+                <a:cubicBezTo>
+                  <a:pt x="1040630" y="3933920"/>
+                  <a:pt x="2081261" y="4164060"/>
+                  <a:pt x="2724728" y="3546763"/>
+                </a:cubicBezTo>
+                <a:cubicBezTo>
+                  <a:pt x="3368195" y="2929466"/>
+                  <a:pt x="3860800" y="0"/>
+                  <a:pt x="3860800" y="0"/>
+                </a:cubicBezTo>
+                <a:lnTo>
+                  <a:pt x="3860800" y="0"/>
+                </a:lnTo>
+              </a:path>
+            </a:pathLst>
+          </a:custGeom>
+          <a:noFill/>
+          <a:ln w="38100">
+            <a:headEnd type="triangle" w="med" len="med"/>
+            <a:tailEnd type="none" w="med" len="med"/>
+          </a:ln>
+        </p:spPr>
+        <p:style>
+          <a:lnRef idx="2">
+            <a:schemeClr val="accent1">
+              <a:shade val="50000"/>
+            </a:schemeClr>
+          </a:lnRef>
+          <a:fillRef idx="1">
+            <a:schemeClr val="accent1"/>
+          </a:fillRef>
+          <a:effectRef idx="0">
+            <a:schemeClr val="accent1"/>
+          </a:effectRef>
+          <a:fontRef idx="minor">
+            <a:schemeClr val="lt1"/>
+          </a:fontRef>
+        </p:style>
+        <p:txBody>
+          <a:bodyPr rtlCol="0" anchor="ctr"/>
+          <a:lstStyle/>
+          <a:p>
+            <a:pPr algn="ctr"/>
+            <a:endParaRPr lang="fr-FR"/>
+          </a:p>
+        </p:txBody>
+      </p:sp>
+    </p:spTree>
+    <p:extLst>
+      <p:ext uri="{BB962C8B-B14F-4D97-AF65-F5344CB8AC3E}">
+        <p14:creationId xmlns:p14="http://schemas.microsoft.com/office/powerpoint/2010/main" val="448225428"/>
+      </p:ext>
+    </p:extLst>
+  </p:cSld>
+  <p:clrMapOvr>
+    <a:masterClrMapping/>
+  </p:clrMapOvr>
+</p:sld>
+</file>
+
+<file path=ppt/slides/slide13.xml><?xml version="1.0" encoding="utf-8"?>
+<p:sld xmlns:a="http://schemas.openxmlformats.org/drawingml/2006/main" xmlns:r="http://schemas.openxmlformats.org/officeDocument/2006/relationships" xmlns:p="http://schemas.openxmlformats.org/presentationml/2006/main">
+  <p:cSld>
+    <p:spTree>
+      <p:nvGrpSpPr>
+        <p:cNvPr id="1" name=""/>
+        <p:cNvGrpSpPr/>
+        <p:nvPr/>
+      </p:nvGrpSpPr>
+      <p:grpSpPr>
+        <a:xfrm>
+          <a:off x="0" y="0"/>
+          <a:ext cx="0" cy="0"/>
+          <a:chOff x="0" y="0"/>
+          <a:chExt cx="0" cy="0"/>
+        </a:xfrm>
+      </p:grpSpPr>
+      <p:sp>
+        <p:nvSpPr>
+          <p:cNvPr id="2" name="Titre 1">
+            <a:extLst>
+              <a:ext uri="{FF2B5EF4-FFF2-40B4-BE49-F238E27FC236}">
+                <a16:creationId xmlns:a16="http://schemas.microsoft.com/office/drawing/2014/main" id="{1EF8E0C4-1A9A-4E77-927A-E32D128D1C8A}"/>
+              </a:ext>
+            </a:extLst>
+          </p:cNvPr>
+          <p:cNvSpPr>
+            <a:spLocks noGrp="1"/>
+          </p:cNvSpPr>
+          <p:nvPr>
+            <p:ph type="title"/>
+          </p:nvPr>
+        </p:nvSpPr>
+        <p:spPr/>
+        <p:txBody>
+          <a:bodyPr/>
+          <a:lstStyle/>
+          <a:p>
+            <a:r>
+              <a:rPr lang="fr-FR" dirty="0"/>
+              <a:t>Exceptions standards</a:t>
+            </a:r>
+          </a:p>
+        </p:txBody>
+      </p:sp>
+      <p:sp>
+        <p:nvSpPr>
+          <p:cNvPr id="3" name="Espace réservé du contenu 2">
+            <a:extLst>
+              <a:ext uri="{FF2B5EF4-FFF2-40B4-BE49-F238E27FC236}">
+                <a16:creationId xmlns:a16="http://schemas.microsoft.com/office/drawing/2014/main" id="{94E73F58-0077-4C0D-BCF1-0877C429D560}"/>
+              </a:ext>
+            </a:extLst>
+          </p:cNvPr>
+          <p:cNvSpPr>
+            <a:spLocks noGrp="1"/>
+          </p:cNvSpPr>
+          <p:nvPr>
+            <p:ph idx="1"/>
+          </p:nvPr>
+        </p:nvSpPr>
+        <p:spPr/>
+        <p:txBody>
+          <a:bodyPr>
+            <a:normAutofit/>
+          </a:bodyPr>
+          <a:lstStyle/>
+          <a:p>
+            <a:r>
+              <a:rPr lang="fr-FR" dirty="0"/>
+              <a:t>Certaines fonctions standard lancent elles aussi des exceptions. </a:t>
+            </a:r>
+          </a:p>
+          <a:p>
+            <a:r>
+              <a:rPr lang="fr-FR" dirty="0"/>
+              <a:t>Toutes les exceptions lancées par les fonctions standard dérivent de la classe exception.</a:t>
+            </a:r>
+          </a:p>
+          <a:p>
+            <a:r>
+              <a:rPr lang="fr-FR" dirty="0"/>
+              <a:t>Ce code générique suivant permet de « catcher » toutes ces exceptions :</a:t>
+            </a:r>
+          </a:p>
+          <a:p>
+            <a:endParaRPr lang="fr-FR" dirty="0"/>
+          </a:p>
+          <a:p>
+            <a:pPr marL="0" indent="0">
+              <a:buNone/>
+            </a:pPr>
+            <a:r>
+              <a:rPr lang="fr-FR" b="0" dirty="0">
+                <a:solidFill>
+                  <a:srgbClr val="D73A49"/>
+                </a:solidFill>
+                <a:effectLst/>
+                <a:latin typeface="Consolas" panose="020B0609020204030204" pitchFamily="49" charset="0"/>
+              </a:rPr>
+              <a:t>catch</a:t>
+            </a:r>
+            <a:r>
+              <a:rPr lang="fr-FR" b="0" dirty="0">
+                <a:solidFill>
+                  <a:srgbClr val="24292E"/>
+                </a:solidFill>
+                <a:effectLst/>
+                <a:latin typeface="Consolas" panose="020B0609020204030204" pitchFamily="49" charset="0"/>
+              </a:rPr>
+              <a:t>(</a:t>
+            </a:r>
+            <a:r>
+              <a:rPr lang="fr-FR" b="0" dirty="0">
+                <a:solidFill>
+                  <a:srgbClr val="6F42C1"/>
+                </a:solidFill>
+                <a:effectLst/>
+                <a:latin typeface="Consolas" panose="020B0609020204030204" pitchFamily="49" charset="0"/>
+              </a:rPr>
+              <a:t>std::exception</a:t>
+            </a:r>
+            <a:r>
+              <a:rPr lang="fr-FR" b="0" dirty="0">
+                <a:solidFill>
+                  <a:srgbClr val="24292E"/>
+                </a:solidFill>
+                <a:effectLst/>
+                <a:latin typeface="Consolas" panose="020B0609020204030204" pitchFamily="49" charset="0"/>
+              </a:rPr>
+              <a:t> </a:t>
+            </a:r>
+            <a:r>
+              <a:rPr lang="fr-FR" b="0" dirty="0" err="1">
+                <a:solidFill>
+                  <a:srgbClr val="D73A49"/>
+                </a:solidFill>
+                <a:effectLst/>
+                <a:latin typeface="Consolas" panose="020B0609020204030204" pitchFamily="49" charset="0"/>
+              </a:rPr>
+              <a:t>const</a:t>
+            </a:r>
+            <a:r>
+              <a:rPr lang="fr-FR" b="0" dirty="0">
+                <a:solidFill>
+                  <a:srgbClr val="D73A49"/>
+                </a:solidFill>
+                <a:effectLst/>
+                <a:latin typeface="Consolas" panose="020B0609020204030204" pitchFamily="49" charset="0"/>
+              </a:rPr>
+              <a:t>&amp;</a:t>
+            </a:r>
+            <a:r>
+              <a:rPr lang="fr-FR" b="0" dirty="0">
+                <a:solidFill>
+                  <a:srgbClr val="24292E"/>
+                </a:solidFill>
+                <a:effectLst/>
+                <a:latin typeface="Consolas" panose="020B0609020204030204" pitchFamily="49" charset="0"/>
+              </a:rPr>
+              <a:t> e) { </a:t>
+            </a:r>
+          </a:p>
+          <a:p>
+            <a:pPr marL="0" indent="0">
+              <a:buNone/>
+            </a:pPr>
+            <a:r>
+              <a:rPr lang="fr-FR" b="0" dirty="0">
+                <a:solidFill>
+                  <a:srgbClr val="24292E"/>
+                </a:solidFill>
+                <a:effectLst/>
+                <a:latin typeface="Consolas" panose="020B0609020204030204" pitchFamily="49" charset="0"/>
+              </a:rPr>
+              <a:t>    </a:t>
+            </a:r>
+            <a:r>
+              <a:rPr lang="fr-FR" b="0" dirty="0" err="1">
+                <a:solidFill>
+                  <a:srgbClr val="24292E"/>
+                </a:solidFill>
+                <a:effectLst/>
+                <a:latin typeface="Consolas" panose="020B0609020204030204" pitchFamily="49" charset="0"/>
+              </a:rPr>
+              <a:t>cerr</a:t>
+            </a:r>
+            <a:r>
+              <a:rPr lang="fr-FR" b="0" dirty="0">
+                <a:solidFill>
+                  <a:srgbClr val="24292E"/>
+                </a:solidFill>
+                <a:effectLst/>
+                <a:latin typeface="Consolas" panose="020B0609020204030204" pitchFamily="49" charset="0"/>
+              </a:rPr>
+              <a:t> </a:t>
+            </a:r>
+            <a:r>
+              <a:rPr lang="fr-FR" b="0" dirty="0">
+                <a:solidFill>
+                  <a:srgbClr val="6F42C1"/>
+                </a:solidFill>
+                <a:effectLst/>
+                <a:latin typeface="Consolas" panose="020B0609020204030204" pitchFamily="49" charset="0"/>
+              </a:rPr>
+              <a:t>&lt;&lt;</a:t>
+            </a:r>
+            <a:r>
+              <a:rPr lang="fr-FR" b="0" dirty="0">
+                <a:solidFill>
+                  <a:srgbClr val="24292E"/>
+                </a:solidFill>
+                <a:effectLst/>
+                <a:latin typeface="Consolas" panose="020B0609020204030204" pitchFamily="49" charset="0"/>
+              </a:rPr>
+              <a:t> </a:t>
+            </a:r>
+            <a:r>
+              <a:rPr lang="fr-FR" b="0" dirty="0">
+                <a:solidFill>
+                  <a:srgbClr val="032F62"/>
+                </a:solidFill>
+                <a:effectLst/>
+                <a:latin typeface="Consolas" panose="020B0609020204030204" pitchFamily="49" charset="0"/>
+              </a:rPr>
+              <a:t>"ERREUR : "</a:t>
+            </a:r>
+            <a:r>
+              <a:rPr lang="fr-FR" b="0" dirty="0">
+                <a:solidFill>
+                  <a:srgbClr val="24292E"/>
+                </a:solidFill>
+                <a:effectLst/>
+                <a:latin typeface="Consolas" panose="020B0609020204030204" pitchFamily="49" charset="0"/>
+              </a:rPr>
+              <a:t> </a:t>
+            </a:r>
+            <a:r>
+              <a:rPr lang="fr-FR" b="0" dirty="0">
+                <a:solidFill>
+                  <a:srgbClr val="6F42C1"/>
+                </a:solidFill>
+                <a:effectLst/>
+                <a:latin typeface="Consolas" panose="020B0609020204030204" pitchFamily="49" charset="0"/>
+              </a:rPr>
+              <a:t>&lt;&lt;</a:t>
+            </a:r>
+            <a:r>
+              <a:rPr lang="fr-FR" b="0" dirty="0">
+                <a:solidFill>
+                  <a:srgbClr val="24292E"/>
+                </a:solidFill>
+                <a:effectLst/>
+                <a:latin typeface="Consolas" panose="020B0609020204030204" pitchFamily="49" charset="0"/>
+              </a:rPr>
+              <a:t> </a:t>
+            </a:r>
+            <a:r>
+              <a:rPr lang="fr-FR" b="0" dirty="0" err="1">
+                <a:solidFill>
+                  <a:srgbClr val="24292E"/>
+                </a:solidFill>
+                <a:effectLst/>
+                <a:latin typeface="Consolas" panose="020B0609020204030204" pitchFamily="49" charset="0"/>
+              </a:rPr>
+              <a:t>e.</a:t>
+            </a:r>
+            <a:r>
+              <a:rPr lang="fr-FR" b="0" dirty="0" err="1">
+                <a:solidFill>
+                  <a:srgbClr val="6F42C1"/>
+                </a:solidFill>
+                <a:effectLst/>
+                <a:latin typeface="Consolas" panose="020B0609020204030204" pitchFamily="49" charset="0"/>
+              </a:rPr>
+              <a:t>what</a:t>
+            </a:r>
+            <a:r>
+              <a:rPr lang="fr-FR" b="0" dirty="0">
+                <a:solidFill>
+                  <a:srgbClr val="24292E"/>
+                </a:solidFill>
+                <a:effectLst/>
+                <a:latin typeface="Consolas" panose="020B0609020204030204" pitchFamily="49" charset="0"/>
+              </a:rPr>
+              <a:t>() </a:t>
+            </a:r>
+            <a:r>
+              <a:rPr lang="fr-FR" b="0" dirty="0">
+                <a:solidFill>
+                  <a:srgbClr val="6F42C1"/>
+                </a:solidFill>
+                <a:effectLst/>
+                <a:latin typeface="Consolas" panose="020B0609020204030204" pitchFamily="49" charset="0"/>
+              </a:rPr>
+              <a:t>&lt;&lt;</a:t>
+            </a:r>
+            <a:r>
+              <a:rPr lang="fr-FR" b="0" dirty="0">
+                <a:solidFill>
+                  <a:srgbClr val="24292E"/>
+                </a:solidFill>
+                <a:effectLst/>
+                <a:latin typeface="Consolas" panose="020B0609020204030204" pitchFamily="49" charset="0"/>
+              </a:rPr>
+              <a:t> </a:t>
+            </a:r>
+            <a:r>
+              <a:rPr lang="fr-FR" b="0" dirty="0" err="1">
+                <a:solidFill>
+                  <a:srgbClr val="6F42C1"/>
+                </a:solidFill>
+                <a:effectLst/>
+                <a:latin typeface="Consolas" panose="020B0609020204030204" pitchFamily="49" charset="0"/>
+              </a:rPr>
+              <a:t>endl</a:t>
+            </a:r>
+            <a:r>
+              <a:rPr lang="fr-FR" b="0" dirty="0">
+                <a:solidFill>
+                  <a:srgbClr val="24292E"/>
+                </a:solidFill>
+                <a:effectLst/>
+                <a:latin typeface="Consolas" panose="020B0609020204030204" pitchFamily="49" charset="0"/>
+              </a:rPr>
+              <a:t>;</a:t>
+            </a:r>
+          </a:p>
+          <a:p>
+            <a:pPr marL="0" indent="0">
+              <a:buNone/>
+            </a:pPr>
+            <a:r>
+              <a:rPr lang="fr-FR" b="0" dirty="0">
+                <a:solidFill>
+                  <a:srgbClr val="24292E"/>
+                </a:solidFill>
+                <a:effectLst/>
+                <a:latin typeface="Consolas" panose="020B0609020204030204" pitchFamily="49" charset="0"/>
+              </a:rPr>
+              <a:t>}</a:t>
+            </a:r>
+            <a:endParaRPr lang="fr-FR" dirty="0"/>
+          </a:p>
+          <a:p>
+            <a:endParaRPr lang="fr-FR" dirty="0"/>
+          </a:p>
+          <a:p>
+            <a:endParaRPr lang="fr-FR" dirty="0"/>
+          </a:p>
+        </p:txBody>
+      </p:sp>
+    </p:spTree>
+    <p:extLst>
+      <p:ext uri="{BB962C8B-B14F-4D97-AF65-F5344CB8AC3E}">
+        <p14:creationId xmlns:p14="http://schemas.microsoft.com/office/powerpoint/2010/main" val="2681059189"/>
+      </p:ext>
+    </p:extLst>
+  </p:cSld>
+  <p:clrMapOvr>
+    <a:masterClrMapping/>
+  </p:clrMapOvr>
+</p:sld>
+</file>
+
+<file path=ppt/slides/slide14.xml><?xml version="1.0" encoding="utf-8"?>
+<p:sld xmlns:a="http://schemas.openxmlformats.org/drawingml/2006/main" xmlns:r="http://schemas.openxmlformats.org/officeDocument/2006/relationships" xmlns:p="http://schemas.openxmlformats.org/presentationml/2006/main">
+  <p:cSld>
+    <p:spTree>
+      <p:nvGrpSpPr>
+        <p:cNvPr id="1" name=""/>
+        <p:cNvGrpSpPr/>
+        <p:nvPr/>
+      </p:nvGrpSpPr>
+      <p:grpSpPr>
+        <a:xfrm>
+          <a:off x="0" y="0"/>
+          <a:ext cx="0" cy="0"/>
+          <a:chOff x="0" y="0"/>
+          <a:chExt cx="0" cy="0"/>
+        </a:xfrm>
+      </p:grpSpPr>
+      <p:sp>
+        <p:nvSpPr>
+          <p:cNvPr id="2" name="Titre 1">
+            <a:extLst>
+              <a:ext uri="{FF2B5EF4-FFF2-40B4-BE49-F238E27FC236}">
+                <a16:creationId xmlns:a16="http://schemas.microsoft.com/office/drawing/2014/main" id="{FCD5D389-ED90-4854-AB7D-C9DDC6A1642E}"/>
+              </a:ext>
+            </a:extLst>
+          </p:cNvPr>
+          <p:cNvSpPr>
+            <a:spLocks noGrp="1"/>
+          </p:cNvSpPr>
+          <p:nvPr>
+            <p:ph type="title"/>
+          </p:nvPr>
+        </p:nvSpPr>
+        <p:spPr/>
+        <p:txBody>
+          <a:bodyPr/>
+          <a:lstStyle/>
+          <a:p>
+            <a:r>
+              <a:rPr lang="fr-FR" dirty="0"/>
+              <a:t>Exceptions standards</a:t>
+            </a:r>
+          </a:p>
+        </p:txBody>
+      </p:sp>
+      <p:sp>
+        <p:nvSpPr>
+          <p:cNvPr id="3" name="Espace réservé du contenu 2">
+            <a:extLst>
+              <a:ext uri="{FF2B5EF4-FFF2-40B4-BE49-F238E27FC236}">
+                <a16:creationId xmlns:a16="http://schemas.microsoft.com/office/drawing/2014/main" id="{3F842B06-84B4-4127-B45F-2EED997BD335}"/>
+              </a:ext>
+            </a:extLst>
+          </p:cNvPr>
+          <p:cNvSpPr>
+            <a:spLocks noGrp="1"/>
+          </p:cNvSpPr>
+          <p:nvPr>
+            <p:ph idx="1"/>
+          </p:nvPr>
+        </p:nvSpPr>
+        <p:spPr/>
+        <p:txBody>
+          <a:bodyPr/>
+          <a:lstStyle/>
+          <a:p>
+            <a:pPr marL="0" indent="0">
+              <a:buNone/>
+            </a:pPr>
+            <a:r>
+              <a:rPr lang="fr-FR" dirty="0">
+                <a:hlinkClick r:id="rId2"/>
+              </a:rPr>
+              <a:t>https://en.cppreference.com/w/cpp/error/exception</a:t>
+            </a:r>
+            <a:endParaRPr lang="fr-FR" dirty="0"/>
+          </a:p>
+          <a:p>
+            <a:pPr marL="0" indent="0">
+              <a:buNone/>
+            </a:pPr>
+            <a:endParaRPr lang="fr-FR" dirty="0"/>
+          </a:p>
+        </p:txBody>
+      </p:sp>
+      <p:pic>
+        <p:nvPicPr>
+          <p:cNvPr id="5" name="Image 4">
+            <a:extLst>
+              <a:ext uri="{FF2B5EF4-FFF2-40B4-BE49-F238E27FC236}">
+                <a16:creationId xmlns:a16="http://schemas.microsoft.com/office/drawing/2014/main" id="{AF3B71ED-541D-44D7-B4FB-6D6AD20279AE}"/>
+              </a:ext>
+            </a:extLst>
+          </p:cNvPr>
+          <p:cNvPicPr>
+            <a:picLocks noChangeAspect="1"/>
+          </p:cNvPicPr>
+          <p:nvPr/>
+        </p:nvPicPr>
+        <p:blipFill rotWithShape="1">
+          <a:blip r:embed="rId3"/>
+          <a:srcRect b="3159"/>
+          <a:stretch/>
+        </p:blipFill>
+        <p:spPr>
+          <a:xfrm>
+            <a:off x="838200" y="2566292"/>
+            <a:ext cx="5082980" cy="3298800"/>
+          </a:xfrm>
+          <a:prstGeom prst="rect">
+            <a:avLst/>
+          </a:prstGeom>
+          <a:ln>
+            <a:solidFill>
+              <a:schemeClr val="bg1">
+                <a:lumMod val="85000"/>
+              </a:schemeClr>
+            </a:solidFill>
+          </a:ln>
+        </p:spPr>
+      </p:pic>
+    </p:spTree>
+    <p:extLst>
+      <p:ext uri="{BB962C8B-B14F-4D97-AF65-F5344CB8AC3E}">
+        <p14:creationId xmlns:p14="http://schemas.microsoft.com/office/powerpoint/2010/main" val="212320289"/>
       </p:ext>
     </p:extLst>
   </p:cSld>
